--- a/LectureFiles/cbw/2016/RNASeq_Module1_Tutorial.pptx
+++ b/LectureFiles/cbw/2016/RNASeq_Module1_Tutorial.pptx
@@ -5,25 +5,26 @@
     <p:sldMasterId id="2147483648" r:id="rId1"/>
   </p:sldMasterIdLst>
   <p:notesMasterIdLst>
-    <p:notesMasterId r:id="rId15"/>
+    <p:notesMasterId r:id="rId16"/>
   </p:notesMasterIdLst>
   <p:handoutMasterIdLst>
-    <p:handoutMasterId r:id="rId16"/>
+    <p:handoutMasterId r:id="rId17"/>
   </p:handoutMasterIdLst>
   <p:sldIdLst>
-    <p:sldId id="341" r:id="rId2"/>
-    <p:sldId id="513" r:id="rId3"/>
-    <p:sldId id="514" r:id="rId4"/>
-    <p:sldId id="515" r:id="rId5"/>
-    <p:sldId id="516" r:id="rId6"/>
-    <p:sldId id="517" r:id="rId7"/>
-    <p:sldId id="518" r:id="rId8"/>
-    <p:sldId id="519" r:id="rId9"/>
-    <p:sldId id="520" r:id="rId10"/>
-    <p:sldId id="521" r:id="rId11"/>
-    <p:sldId id="522" r:id="rId12"/>
-    <p:sldId id="523" r:id="rId13"/>
-    <p:sldId id="512" r:id="rId14"/>
+    <p:sldId id="524" r:id="rId2"/>
+    <p:sldId id="525" r:id="rId3"/>
+    <p:sldId id="513" r:id="rId4"/>
+    <p:sldId id="514" r:id="rId5"/>
+    <p:sldId id="515" r:id="rId6"/>
+    <p:sldId id="516" r:id="rId7"/>
+    <p:sldId id="517" r:id="rId8"/>
+    <p:sldId id="518" r:id="rId9"/>
+    <p:sldId id="519" r:id="rId10"/>
+    <p:sldId id="520" r:id="rId11"/>
+    <p:sldId id="521" r:id="rId12"/>
+    <p:sldId id="522" r:id="rId13"/>
+    <p:sldId id="523" r:id="rId14"/>
+    <p:sldId id="526" r:id="rId15"/>
   </p:sldIdLst>
   <p:sldSz cx="9144000" cy="6858000" type="screen4x3"/>
   <p:notesSz cx="7315200" cy="9601200"/>
@@ -258,7 +259,7 @@
               <a:pPr>
                 <a:defRPr/>
               </a:pPr>
-              <a:t>11/14/15</a:t>
+              <a:t>6/13/16</a:t>
             </a:fld>
             <a:endParaRPr lang="en-US"/>
           </a:p>
@@ -465,7 +466,7 @@
               <a:pPr>
                 <a:defRPr/>
               </a:pPr>
-              <a:t>11/14/15</a:t>
+              <a:t>6/13/16</a:t>
             </a:fld>
             <a:endParaRPr lang="en-US"/>
           </a:p>
@@ -959,7 +960,7 @@
                 <a:latin typeface="Calibri" charset="0"/>
               </a:rPr>
               <a:pPr eaLnBrk="1" hangingPunct="1"/>
-              <a:t>3</a:t>
+              <a:t>4</a:t>
             </a:fld>
             <a:endParaRPr lang="en-US" sz="1300">
               <a:latin typeface="Calibri" charset="0"/>
@@ -1215,7 +1216,7 @@
                 <a:latin typeface="Calibri" charset="0"/>
               </a:rPr>
               <a:pPr eaLnBrk="1" hangingPunct="1"/>
-              <a:t>6</a:t>
+              <a:t>7</a:t>
             </a:fld>
             <a:endParaRPr lang="en-US" sz="1300">
               <a:latin typeface="Calibri" charset="0"/>
@@ -1471,7 +1472,7 @@
                 <a:latin typeface="Calibri" charset="0"/>
               </a:rPr>
               <a:pPr eaLnBrk="1" hangingPunct="1"/>
-              <a:t>7</a:t>
+              <a:t>8</a:t>
             </a:fld>
             <a:endParaRPr lang="en-US" sz="1300">
               <a:latin typeface="Calibri" charset="0"/>
@@ -1727,7 +1728,7 @@
                 <a:latin typeface="Calibri" charset="0"/>
               </a:rPr>
               <a:pPr eaLnBrk="1" hangingPunct="1"/>
-              <a:t>8</a:t>
+              <a:t>9</a:t>
             </a:fld>
             <a:endParaRPr lang="en-US" sz="1300">
               <a:latin typeface="Calibri" charset="0"/>
@@ -1983,7 +1984,7 @@
                 <a:latin typeface="Calibri" charset="0"/>
               </a:rPr>
               <a:pPr eaLnBrk="1" hangingPunct="1"/>
-              <a:t>10</a:t>
+              <a:t>11</a:t>
             </a:fld>
             <a:endParaRPr lang="en-US" sz="1300">
               <a:latin typeface="Calibri" charset="0"/>
@@ -2239,7 +2240,7 @@
                 <a:latin typeface="Calibri" charset="0"/>
               </a:rPr>
               <a:pPr eaLnBrk="1" hangingPunct="1"/>
-              <a:t>11</a:t>
+              <a:t>12</a:t>
             </a:fld>
             <a:endParaRPr lang="en-US" sz="1300">
               <a:latin typeface="Calibri" charset="0"/>
@@ -2443,60 +2444,6 @@
           </a:p>
         </p:txBody>
       </p:sp>
-      <p:pic>
-        <p:nvPicPr>
-          <p:cNvPr id="3" name="Picture 7" descr="cshl_logo_alternate rgb.png"/>
-          <p:cNvPicPr>
-            <a:picLocks noChangeAspect="1"/>
-          </p:cNvPicPr>
-          <p:nvPr userDrawn="1"/>
-        </p:nvPicPr>
-        <p:blipFill>
-          <a:blip r:embed="rId2">
-            <a:extLst>
-              <a:ext uri="{28A0092B-C50C-407E-A947-70E740481C1C}">
-                <a14:useLocalDpi xmlns:a14="http://schemas.microsoft.com/office/drawing/2010/main" val="0"/>
-              </a:ext>
-            </a:extLst>
-          </a:blip>
-          <a:srcRect/>
-          <a:stretch>
-            <a:fillRect/>
-          </a:stretch>
-        </p:blipFill>
-        <p:spPr bwMode="auto">
-          <a:xfrm>
-            <a:off x="300038" y="381000"/>
-            <a:ext cx="3509962" cy="1676400"/>
-          </a:xfrm>
-          <a:prstGeom prst="rect">
-            <a:avLst/>
-          </a:prstGeom>
-          <a:noFill/>
-          <a:ln>
-            <a:noFill/>
-          </a:ln>
-          <a:extLst>
-            <a:ext uri="{909E8E84-426E-40dd-AFC4-6F175D3DCCD1}">
-              <a14:hiddenFill xmlns:a14="http://schemas.microsoft.com/office/drawing/2010/main">
-                <a:solidFill>
-                  <a:srgbClr val="FFFFFF"/>
-                </a:solidFill>
-              </a14:hiddenFill>
-            </a:ext>
-            <a:ext uri="{91240B29-F687-4f45-9708-019B960494DF}">
-              <a14:hiddenLine xmlns:a14="http://schemas.microsoft.com/office/drawing/2010/main" w="9525">
-                <a:solidFill>
-                  <a:srgbClr val="000000"/>
-                </a:solidFill>
-                <a:miter lim="800000"/>
-                <a:headEnd/>
-                <a:tailEnd/>
-              </a14:hiddenLine>
-            </a:ext>
-          </a:extLst>
-        </p:spPr>
-      </p:pic>
     </p:spTree>
     <p:extLst>
       <p:ext uri="{BB962C8B-B14F-4D97-AF65-F5344CB8AC3E}">
@@ -2729,150 +2676,6 @@
       </p:sp>
       <p:sp>
         <p:nvSpPr>
-          <p:cNvPr id="6" name="TextBox 5"/>
-          <p:cNvSpPr txBox="1"/>
-          <p:nvPr userDrawn="1"/>
-        </p:nvSpPr>
-        <p:spPr>
-          <a:xfrm>
-            <a:off x="6172200" y="6477000"/>
-            <a:ext cx="2895600" cy="338138"/>
-          </a:xfrm>
-          <a:prstGeom prst="rect">
-            <a:avLst/>
-          </a:prstGeom>
-          <a:noFill/>
-        </p:spPr>
-        <p:txBody>
-          <a:bodyPr>
-            <a:spAutoFit/>
-          </a:bodyPr>
-          <a:lstStyle>
-            <a:lvl1pPr eaLnBrk="0" hangingPunct="0">
-              <a:defRPr sz="2400">
-                <a:solidFill>
-                  <a:schemeClr val="tx1"/>
-                </a:solidFill>
-                <a:latin typeface="Arial" charset="0"/>
-                <a:ea typeface="ＭＳ Ｐゴシック" charset="0"/>
-                <a:cs typeface="ＭＳ Ｐゴシック" charset="0"/>
-              </a:defRPr>
-            </a:lvl1pPr>
-            <a:lvl2pPr marL="37931725" indent="-37474525" eaLnBrk="0" hangingPunct="0">
-              <a:defRPr sz="2400">
-                <a:solidFill>
-                  <a:schemeClr val="tx1"/>
-                </a:solidFill>
-                <a:latin typeface="Arial" charset="0"/>
-                <a:ea typeface="ＭＳ Ｐゴシック" charset="0"/>
-              </a:defRPr>
-            </a:lvl2pPr>
-            <a:lvl3pPr eaLnBrk="0" hangingPunct="0">
-              <a:defRPr sz="2400">
-                <a:solidFill>
-                  <a:schemeClr val="tx1"/>
-                </a:solidFill>
-                <a:latin typeface="Arial" charset="0"/>
-                <a:ea typeface="ＭＳ Ｐゴシック" charset="0"/>
-              </a:defRPr>
-            </a:lvl3pPr>
-            <a:lvl4pPr eaLnBrk="0" hangingPunct="0">
-              <a:defRPr sz="2400">
-                <a:solidFill>
-                  <a:schemeClr val="tx1"/>
-                </a:solidFill>
-                <a:latin typeface="Arial" charset="0"/>
-                <a:ea typeface="ＭＳ Ｐゴシック" charset="0"/>
-              </a:defRPr>
-            </a:lvl4pPr>
-            <a:lvl5pPr eaLnBrk="0" hangingPunct="0">
-              <a:defRPr sz="2400">
-                <a:solidFill>
-                  <a:schemeClr val="tx1"/>
-                </a:solidFill>
-                <a:latin typeface="Arial" charset="0"/>
-                <a:ea typeface="ＭＳ Ｐゴシック" charset="0"/>
-              </a:defRPr>
-            </a:lvl5pPr>
-            <a:lvl6pPr marL="457200" eaLnBrk="0" fontAlgn="base" hangingPunct="0">
-              <a:spcBef>
-                <a:spcPct val="0"/>
-              </a:spcBef>
-              <a:spcAft>
-                <a:spcPct val="0"/>
-              </a:spcAft>
-              <a:defRPr sz="2400">
-                <a:solidFill>
-                  <a:schemeClr val="tx1"/>
-                </a:solidFill>
-                <a:latin typeface="Arial" charset="0"/>
-                <a:ea typeface="ＭＳ Ｐゴシック" charset="0"/>
-              </a:defRPr>
-            </a:lvl6pPr>
-            <a:lvl7pPr marL="914400" eaLnBrk="0" fontAlgn="base" hangingPunct="0">
-              <a:spcBef>
-                <a:spcPct val="0"/>
-              </a:spcBef>
-              <a:spcAft>
-                <a:spcPct val="0"/>
-              </a:spcAft>
-              <a:defRPr sz="2400">
-                <a:solidFill>
-                  <a:schemeClr val="tx1"/>
-                </a:solidFill>
-                <a:latin typeface="Arial" charset="0"/>
-                <a:ea typeface="ＭＳ Ｐゴシック" charset="0"/>
-              </a:defRPr>
-            </a:lvl7pPr>
-            <a:lvl8pPr marL="1371600" eaLnBrk="0" fontAlgn="base" hangingPunct="0">
-              <a:spcBef>
-                <a:spcPct val="0"/>
-              </a:spcBef>
-              <a:spcAft>
-                <a:spcPct val="0"/>
-              </a:spcAft>
-              <a:defRPr sz="2400">
-                <a:solidFill>
-                  <a:schemeClr val="tx1"/>
-                </a:solidFill>
-                <a:latin typeface="Arial" charset="0"/>
-                <a:ea typeface="ＭＳ Ｐゴシック" charset="0"/>
-              </a:defRPr>
-            </a:lvl8pPr>
-            <a:lvl9pPr marL="1828800" eaLnBrk="0" fontAlgn="base" hangingPunct="0">
-              <a:spcBef>
-                <a:spcPct val="0"/>
-              </a:spcBef>
-              <a:spcAft>
-                <a:spcPct val="0"/>
-              </a:spcAft>
-              <a:defRPr sz="2400">
-                <a:solidFill>
-                  <a:schemeClr val="tx1"/>
-                </a:solidFill>
-                <a:latin typeface="Arial" charset="0"/>
-                <a:ea typeface="ＭＳ Ｐゴシック" charset="0"/>
-              </a:defRPr>
-            </a:lvl9pPr>
-          </a:lstStyle>
-          <a:p>
-            <a:pPr algn="r" eaLnBrk="1" hangingPunct="1">
-              <a:defRPr/>
-            </a:pPr>
-            <a:r>
-              <a:rPr lang="en-US" sz="1600" b="1" smtClean="0">
-                <a:cs typeface="Arial" charset="0"/>
-              </a:rPr>
-              <a:t>http://meetings.cshl.edu/</a:t>
-            </a:r>
-            <a:endParaRPr lang="en-US" sz="1600" smtClean="0">
-              <a:cs typeface="Arial" charset="0"/>
-            </a:endParaRPr>
-          </a:p>
-        </p:txBody>
-      </p:sp>
-      <p:sp>
-        <p:nvSpPr>
           <p:cNvPr id="2" name="Title 1"/>
           <p:cNvSpPr>
             <a:spLocks noGrp="1"/>
@@ -2991,6 +2794,162 @@
               <a:t>Fifth level</a:t>
             </a:r>
             <a:endParaRPr lang="en-US" dirty="0"/>
+          </a:p>
+        </p:txBody>
+      </p:sp>
+      <p:sp>
+        <p:nvSpPr>
+          <p:cNvPr id="7" name="TextBox 6"/>
+          <p:cNvSpPr txBox="1"/>
+          <p:nvPr userDrawn="1"/>
+        </p:nvSpPr>
+        <p:spPr>
+          <a:xfrm>
+            <a:off x="6705600" y="6396038"/>
+            <a:ext cx="2362200" cy="457200"/>
+          </a:xfrm>
+          <a:prstGeom prst="rect">
+            <a:avLst/>
+          </a:prstGeom>
+          <a:noFill/>
+        </p:spPr>
+        <p:txBody>
+          <a:bodyPr>
+            <a:spAutoFit/>
+          </a:bodyPr>
+          <a:lstStyle>
+            <a:lvl1pPr eaLnBrk="0" hangingPunct="0">
+              <a:defRPr sz="2400">
+                <a:solidFill>
+                  <a:schemeClr val="tx1"/>
+                </a:solidFill>
+                <a:latin typeface="Arial" charset="0"/>
+                <a:ea typeface="ＭＳ Ｐゴシック" charset="0"/>
+                <a:cs typeface="ＭＳ Ｐゴシック" charset="0"/>
+              </a:defRPr>
+            </a:lvl1pPr>
+            <a:lvl2pPr marL="37931725" indent="-37474525" eaLnBrk="0" hangingPunct="0">
+              <a:defRPr sz="2400">
+                <a:solidFill>
+                  <a:schemeClr val="tx1"/>
+                </a:solidFill>
+                <a:latin typeface="Arial" charset="0"/>
+                <a:ea typeface="ＭＳ Ｐゴシック" charset="0"/>
+              </a:defRPr>
+            </a:lvl2pPr>
+            <a:lvl3pPr eaLnBrk="0" hangingPunct="0">
+              <a:defRPr sz="2400">
+                <a:solidFill>
+                  <a:schemeClr val="tx1"/>
+                </a:solidFill>
+                <a:latin typeface="Arial" charset="0"/>
+                <a:ea typeface="ＭＳ Ｐゴシック" charset="0"/>
+              </a:defRPr>
+            </a:lvl3pPr>
+            <a:lvl4pPr eaLnBrk="0" hangingPunct="0">
+              <a:defRPr sz="2400">
+                <a:solidFill>
+                  <a:schemeClr val="tx1"/>
+                </a:solidFill>
+                <a:latin typeface="Arial" charset="0"/>
+                <a:ea typeface="ＭＳ Ｐゴシック" charset="0"/>
+              </a:defRPr>
+            </a:lvl4pPr>
+            <a:lvl5pPr eaLnBrk="0" hangingPunct="0">
+              <a:defRPr sz="2400">
+                <a:solidFill>
+                  <a:schemeClr val="tx1"/>
+                </a:solidFill>
+                <a:latin typeface="Arial" charset="0"/>
+                <a:ea typeface="ＭＳ Ｐゴシック" charset="0"/>
+              </a:defRPr>
+            </a:lvl5pPr>
+            <a:lvl6pPr marL="457200" eaLnBrk="0" fontAlgn="base" hangingPunct="0">
+              <a:spcBef>
+                <a:spcPct val="0"/>
+              </a:spcBef>
+              <a:spcAft>
+                <a:spcPct val="0"/>
+              </a:spcAft>
+              <a:defRPr sz="2400">
+                <a:solidFill>
+                  <a:schemeClr val="tx1"/>
+                </a:solidFill>
+                <a:latin typeface="Arial" charset="0"/>
+                <a:ea typeface="ＭＳ Ｐゴシック" charset="0"/>
+              </a:defRPr>
+            </a:lvl6pPr>
+            <a:lvl7pPr marL="914400" eaLnBrk="0" fontAlgn="base" hangingPunct="0">
+              <a:spcBef>
+                <a:spcPct val="0"/>
+              </a:spcBef>
+              <a:spcAft>
+                <a:spcPct val="0"/>
+              </a:spcAft>
+              <a:defRPr sz="2400">
+                <a:solidFill>
+                  <a:schemeClr val="tx1"/>
+                </a:solidFill>
+                <a:latin typeface="Arial" charset="0"/>
+                <a:ea typeface="ＭＳ Ｐゴシック" charset="0"/>
+              </a:defRPr>
+            </a:lvl7pPr>
+            <a:lvl8pPr marL="1371600" eaLnBrk="0" fontAlgn="base" hangingPunct="0">
+              <a:spcBef>
+                <a:spcPct val="0"/>
+              </a:spcBef>
+              <a:spcAft>
+                <a:spcPct val="0"/>
+              </a:spcAft>
+              <a:defRPr sz="2400">
+                <a:solidFill>
+                  <a:schemeClr val="tx1"/>
+                </a:solidFill>
+                <a:latin typeface="Arial" charset="0"/>
+                <a:ea typeface="ＭＳ Ｐゴシック" charset="0"/>
+              </a:defRPr>
+            </a:lvl8pPr>
+            <a:lvl9pPr marL="1828800" eaLnBrk="0" fontAlgn="base" hangingPunct="0">
+              <a:spcBef>
+                <a:spcPct val="0"/>
+              </a:spcBef>
+              <a:spcAft>
+                <a:spcPct val="0"/>
+              </a:spcAft>
+              <a:defRPr sz="2400">
+                <a:solidFill>
+                  <a:schemeClr val="tx1"/>
+                </a:solidFill>
+                <a:latin typeface="Arial" charset="0"/>
+                <a:ea typeface="ＭＳ Ｐゴシック" charset="0"/>
+              </a:defRPr>
+            </a:lvl9pPr>
+          </a:lstStyle>
+          <a:p>
+            <a:pPr algn="r" eaLnBrk="1" hangingPunct="1">
+              <a:defRPr/>
+            </a:pPr>
+            <a:r>
+              <a:rPr lang="en-US" b="1" dirty="0" err="1" smtClean="0">
+                <a:cs typeface="Arial" charset="0"/>
+              </a:rPr>
+              <a:t>bio</a:t>
+            </a:r>
+            <a:r>
+              <a:rPr lang="en-US" dirty="0" err="1" smtClean="0">
+                <a:cs typeface="Arial" charset="0"/>
+              </a:rPr>
+              <a:t>informatics</a:t>
+            </a:r>
+            <a:r>
+              <a:rPr lang="en-US" sz="1400" dirty="0" err="1" smtClean="0">
+                <a:cs typeface="Arial" charset="0"/>
+              </a:rPr>
+              <a:t>.ca</a:t>
+            </a:r>
+            <a:endParaRPr lang="en-US" dirty="0" smtClean="0">
+              <a:cs typeface="Arial" charset="0"/>
+            </a:endParaRPr>
           </a:p>
         </p:txBody>
       </p:sp>
@@ -3226,150 +3185,6 @@
       </p:sp>
       <p:sp>
         <p:nvSpPr>
-          <p:cNvPr id="5" name="TextBox 4"/>
-          <p:cNvSpPr txBox="1"/>
-          <p:nvPr userDrawn="1"/>
-        </p:nvSpPr>
-        <p:spPr>
-          <a:xfrm>
-            <a:off x="6172200" y="6477000"/>
-            <a:ext cx="2895600" cy="338138"/>
-          </a:xfrm>
-          <a:prstGeom prst="rect">
-            <a:avLst/>
-          </a:prstGeom>
-          <a:noFill/>
-        </p:spPr>
-        <p:txBody>
-          <a:bodyPr>
-            <a:spAutoFit/>
-          </a:bodyPr>
-          <a:lstStyle>
-            <a:lvl1pPr eaLnBrk="0" hangingPunct="0">
-              <a:defRPr sz="2400">
-                <a:solidFill>
-                  <a:schemeClr val="tx1"/>
-                </a:solidFill>
-                <a:latin typeface="Arial" charset="0"/>
-                <a:ea typeface="ＭＳ Ｐゴシック" charset="0"/>
-                <a:cs typeface="ＭＳ Ｐゴシック" charset="0"/>
-              </a:defRPr>
-            </a:lvl1pPr>
-            <a:lvl2pPr marL="37931725" indent="-37474525" eaLnBrk="0" hangingPunct="0">
-              <a:defRPr sz="2400">
-                <a:solidFill>
-                  <a:schemeClr val="tx1"/>
-                </a:solidFill>
-                <a:latin typeface="Arial" charset="0"/>
-                <a:ea typeface="ＭＳ Ｐゴシック" charset="0"/>
-              </a:defRPr>
-            </a:lvl2pPr>
-            <a:lvl3pPr eaLnBrk="0" hangingPunct="0">
-              <a:defRPr sz="2400">
-                <a:solidFill>
-                  <a:schemeClr val="tx1"/>
-                </a:solidFill>
-                <a:latin typeface="Arial" charset="0"/>
-                <a:ea typeface="ＭＳ Ｐゴシック" charset="0"/>
-              </a:defRPr>
-            </a:lvl3pPr>
-            <a:lvl4pPr eaLnBrk="0" hangingPunct="0">
-              <a:defRPr sz="2400">
-                <a:solidFill>
-                  <a:schemeClr val="tx1"/>
-                </a:solidFill>
-                <a:latin typeface="Arial" charset="0"/>
-                <a:ea typeface="ＭＳ Ｐゴシック" charset="0"/>
-              </a:defRPr>
-            </a:lvl4pPr>
-            <a:lvl5pPr eaLnBrk="0" hangingPunct="0">
-              <a:defRPr sz="2400">
-                <a:solidFill>
-                  <a:schemeClr val="tx1"/>
-                </a:solidFill>
-                <a:latin typeface="Arial" charset="0"/>
-                <a:ea typeface="ＭＳ Ｐゴシック" charset="0"/>
-              </a:defRPr>
-            </a:lvl5pPr>
-            <a:lvl6pPr marL="457200" eaLnBrk="0" fontAlgn="base" hangingPunct="0">
-              <a:spcBef>
-                <a:spcPct val="0"/>
-              </a:spcBef>
-              <a:spcAft>
-                <a:spcPct val="0"/>
-              </a:spcAft>
-              <a:defRPr sz="2400">
-                <a:solidFill>
-                  <a:schemeClr val="tx1"/>
-                </a:solidFill>
-                <a:latin typeface="Arial" charset="0"/>
-                <a:ea typeface="ＭＳ Ｐゴシック" charset="0"/>
-              </a:defRPr>
-            </a:lvl6pPr>
-            <a:lvl7pPr marL="914400" eaLnBrk="0" fontAlgn="base" hangingPunct="0">
-              <a:spcBef>
-                <a:spcPct val="0"/>
-              </a:spcBef>
-              <a:spcAft>
-                <a:spcPct val="0"/>
-              </a:spcAft>
-              <a:defRPr sz="2400">
-                <a:solidFill>
-                  <a:schemeClr val="tx1"/>
-                </a:solidFill>
-                <a:latin typeface="Arial" charset="0"/>
-                <a:ea typeface="ＭＳ Ｐゴシック" charset="0"/>
-              </a:defRPr>
-            </a:lvl7pPr>
-            <a:lvl8pPr marL="1371600" eaLnBrk="0" fontAlgn="base" hangingPunct="0">
-              <a:spcBef>
-                <a:spcPct val="0"/>
-              </a:spcBef>
-              <a:spcAft>
-                <a:spcPct val="0"/>
-              </a:spcAft>
-              <a:defRPr sz="2400">
-                <a:solidFill>
-                  <a:schemeClr val="tx1"/>
-                </a:solidFill>
-                <a:latin typeface="Arial" charset="0"/>
-                <a:ea typeface="ＭＳ Ｐゴシック" charset="0"/>
-              </a:defRPr>
-            </a:lvl8pPr>
-            <a:lvl9pPr marL="1828800" eaLnBrk="0" fontAlgn="base" hangingPunct="0">
-              <a:spcBef>
-                <a:spcPct val="0"/>
-              </a:spcBef>
-              <a:spcAft>
-                <a:spcPct val="0"/>
-              </a:spcAft>
-              <a:defRPr sz="2400">
-                <a:solidFill>
-                  <a:schemeClr val="tx1"/>
-                </a:solidFill>
-                <a:latin typeface="Arial" charset="0"/>
-                <a:ea typeface="ＭＳ Ｐゴシック" charset="0"/>
-              </a:defRPr>
-            </a:lvl9pPr>
-          </a:lstStyle>
-          <a:p>
-            <a:pPr algn="r" eaLnBrk="1" hangingPunct="1">
-              <a:defRPr/>
-            </a:pPr>
-            <a:r>
-              <a:rPr lang="en-US" sz="1600" b="1" smtClean="0">
-                <a:cs typeface="Arial" charset="0"/>
-              </a:rPr>
-              <a:t>http://meetings.cshl.edu/</a:t>
-            </a:r>
-            <a:endParaRPr lang="en-US" sz="1600" smtClean="0">
-              <a:cs typeface="Arial" charset="0"/>
-            </a:endParaRPr>
-          </a:p>
-        </p:txBody>
-      </p:sp>
-      <p:sp>
-        <p:nvSpPr>
           <p:cNvPr id="2" name="Title 1"/>
           <p:cNvSpPr>
             <a:spLocks noGrp="1"/>
@@ -3400,6 +3215,162 @@
               <a:t>Click to edit Master title style</a:t>
             </a:r>
             <a:endParaRPr lang="en-US" dirty="0"/>
+          </a:p>
+        </p:txBody>
+      </p:sp>
+      <p:sp>
+        <p:nvSpPr>
+          <p:cNvPr id="6" name="TextBox 5"/>
+          <p:cNvSpPr txBox="1"/>
+          <p:nvPr userDrawn="1"/>
+        </p:nvSpPr>
+        <p:spPr>
+          <a:xfrm>
+            <a:off x="6705600" y="6396038"/>
+            <a:ext cx="2362200" cy="457200"/>
+          </a:xfrm>
+          <a:prstGeom prst="rect">
+            <a:avLst/>
+          </a:prstGeom>
+          <a:noFill/>
+        </p:spPr>
+        <p:txBody>
+          <a:bodyPr>
+            <a:spAutoFit/>
+          </a:bodyPr>
+          <a:lstStyle>
+            <a:lvl1pPr eaLnBrk="0" hangingPunct="0">
+              <a:defRPr sz="2400">
+                <a:solidFill>
+                  <a:schemeClr val="tx1"/>
+                </a:solidFill>
+                <a:latin typeface="Arial" charset="0"/>
+                <a:ea typeface="ＭＳ Ｐゴシック" charset="0"/>
+                <a:cs typeface="ＭＳ Ｐゴシック" charset="0"/>
+              </a:defRPr>
+            </a:lvl1pPr>
+            <a:lvl2pPr marL="37931725" indent="-37474525" eaLnBrk="0" hangingPunct="0">
+              <a:defRPr sz="2400">
+                <a:solidFill>
+                  <a:schemeClr val="tx1"/>
+                </a:solidFill>
+                <a:latin typeface="Arial" charset="0"/>
+                <a:ea typeface="ＭＳ Ｐゴシック" charset="0"/>
+              </a:defRPr>
+            </a:lvl2pPr>
+            <a:lvl3pPr eaLnBrk="0" hangingPunct="0">
+              <a:defRPr sz="2400">
+                <a:solidFill>
+                  <a:schemeClr val="tx1"/>
+                </a:solidFill>
+                <a:latin typeface="Arial" charset="0"/>
+                <a:ea typeface="ＭＳ Ｐゴシック" charset="0"/>
+              </a:defRPr>
+            </a:lvl3pPr>
+            <a:lvl4pPr eaLnBrk="0" hangingPunct="0">
+              <a:defRPr sz="2400">
+                <a:solidFill>
+                  <a:schemeClr val="tx1"/>
+                </a:solidFill>
+                <a:latin typeface="Arial" charset="0"/>
+                <a:ea typeface="ＭＳ Ｐゴシック" charset="0"/>
+              </a:defRPr>
+            </a:lvl4pPr>
+            <a:lvl5pPr eaLnBrk="0" hangingPunct="0">
+              <a:defRPr sz="2400">
+                <a:solidFill>
+                  <a:schemeClr val="tx1"/>
+                </a:solidFill>
+                <a:latin typeface="Arial" charset="0"/>
+                <a:ea typeface="ＭＳ Ｐゴシック" charset="0"/>
+              </a:defRPr>
+            </a:lvl5pPr>
+            <a:lvl6pPr marL="457200" eaLnBrk="0" fontAlgn="base" hangingPunct="0">
+              <a:spcBef>
+                <a:spcPct val="0"/>
+              </a:spcBef>
+              <a:spcAft>
+                <a:spcPct val="0"/>
+              </a:spcAft>
+              <a:defRPr sz="2400">
+                <a:solidFill>
+                  <a:schemeClr val="tx1"/>
+                </a:solidFill>
+                <a:latin typeface="Arial" charset="0"/>
+                <a:ea typeface="ＭＳ Ｐゴシック" charset="0"/>
+              </a:defRPr>
+            </a:lvl6pPr>
+            <a:lvl7pPr marL="914400" eaLnBrk="0" fontAlgn="base" hangingPunct="0">
+              <a:spcBef>
+                <a:spcPct val="0"/>
+              </a:spcBef>
+              <a:spcAft>
+                <a:spcPct val="0"/>
+              </a:spcAft>
+              <a:defRPr sz="2400">
+                <a:solidFill>
+                  <a:schemeClr val="tx1"/>
+                </a:solidFill>
+                <a:latin typeface="Arial" charset="0"/>
+                <a:ea typeface="ＭＳ Ｐゴシック" charset="0"/>
+              </a:defRPr>
+            </a:lvl7pPr>
+            <a:lvl8pPr marL="1371600" eaLnBrk="0" fontAlgn="base" hangingPunct="0">
+              <a:spcBef>
+                <a:spcPct val="0"/>
+              </a:spcBef>
+              <a:spcAft>
+                <a:spcPct val="0"/>
+              </a:spcAft>
+              <a:defRPr sz="2400">
+                <a:solidFill>
+                  <a:schemeClr val="tx1"/>
+                </a:solidFill>
+                <a:latin typeface="Arial" charset="0"/>
+                <a:ea typeface="ＭＳ Ｐゴシック" charset="0"/>
+              </a:defRPr>
+            </a:lvl8pPr>
+            <a:lvl9pPr marL="1828800" eaLnBrk="0" fontAlgn="base" hangingPunct="0">
+              <a:spcBef>
+                <a:spcPct val="0"/>
+              </a:spcBef>
+              <a:spcAft>
+                <a:spcPct val="0"/>
+              </a:spcAft>
+              <a:defRPr sz="2400">
+                <a:solidFill>
+                  <a:schemeClr val="tx1"/>
+                </a:solidFill>
+                <a:latin typeface="Arial" charset="0"/>
+                <a:ea typeface="ＭＳ Ｐゴシック" charset="0"/>
+              </a:defRPr>
+            </a:lvl9pPr>
+          </a:lstStyle>
+          <a:p>
+            <a:pPr algn="r" eaLnBrk="1" hangingPunct="1">
+              <a:defRPr/>
+            </a:pPr>
+            <a:r>
+              <a:rPr lang="en-US" b="1" dirty="0" err="1" smtClean="0">
+                <a:cs typeface="Arial" charset="0"/>
+              </a:rPr>
+              <a:t>bio</a:t>
+            </a:r>
+            <a:r>
+              <a:rPr lang="en-US" dirty="0" err="1" smtClean="0">
+                <a:cs typeface="Arial" charset="0"/>
+              </a:rPr>
+              <a:t>informatics</a:t>
+            </a:r>
+            <a:r>
+              <a:rPr lang="en-US" sz="1400" dirty="0" err="1" smtClean="0">
+                <a:cs typeface="Arial" charset="0"/>
+              </a:rPr>
+              <a:t>.ca</a:t>
+            </a:r>
+            <a:endParaRPr lang="en-US" dirty="0" smtClean="0">
+              <a:cs typeface="Arial" charset="0"/>
+            </a:endParaRPr>
           </a:p>
         </p:txBody>
       </p:sp>
@@ -3635,150 +3606,6 @@
       </p:sp>
       <p:sp>
         <p:nvSpPr>
-          <p:cNvPr id="8" name="TextBox 7"/>
-          <p:cNvSpPr txBox="1"/>
-          <p:nvPr userDrawn="1"/>
-        </p:nvSpPr>
-        <p:spPr>
-          <a:xfrm>
-            <a:off x="6172200" y="6477000"/>
-            <a:ext cx="2895600" cy="338138"/>
-          </a:xfrm>
-          <a:prstGeom prst="rect">
-            <a:avLst/>
-          </a:prstGeom>
-          <a:noFill/>
-        </p:spPr>
-        <p:txBody>
-          <a:bodyPr>
-            <a:spAutoFit/>
-          </a:bodyPr>
-          <a:lstStyle>
-            <a:lvl1pPr eaLnBrk="0" hangingPunct="0">
-              <a:defRPr sz="2400">
-                <a:solidFill>
-                  <a:schemeClr val="tx1"/>
-                </a:solidFill>
-                <a:latin typeface="Arial" charset="0"/>
-                <a:ea typeface="ＭＳ Ｐゴシック" charset="0"/>
-                <a:cs typeface="ＭＳ Ｐゴシック" charset="0"/>
-              </a:defRPr>
-            </a:lvl1pPr>
-            <a:lvl2pPr marL="37931725" indent="-37474525" eaLnBrk="0" hangingPunct="0">
-              <a:defRPr sz="2400">
-                <a:solidFill>
-                  <a:schemeClr val="tx1"/>
-                </a:solidFill>
-                <a:latin typeface="Arial" charset="0"/>
-                <a:ea typeface="ＭＳ Ｐゴシック" charset="0"/>
-              </a:defRPr>
-            </a:lvl2pPr>
-            <a:lvl3pPr eaLnBrk="0" hangingPunct="0">
-              <a:defRPr sz="2400">
-                <a:solidFill>
-                  <a:schemeClr val="tx1"/>
-                </a:solidFill>
-                <a:latin typeface="Arial" charset="0"/>
-                <a:ea typeface="ＭＳ Ｐゴシック" charset="0"/>
-              </a:defRPr>
-            </a:lvl3pPr>
-            <a:lvl4pPr eaLnBrk="0" hangingPunct="0">
-              <a:defRPr sz="2400">
-                <a:solidFill>
-                  <a:schemeClr val="tx1"/>
-                </a:solidFill>
-                <a:latin typeface="Arial" charset="0"/>
-                <a:ea typeface="ＭＳ Ｐゴシック" charset="0"/>
-              </a:defRPr>
-            </a:lvl4pPr>
-            <a:lvl5pPr eaLnBrk="0" hangingPunct="0">
-              <a:defRPr sz="2400">
-                <a:solidFill>
-                  <a:schemeClr val="tx1"/>
-                </a:solidFill>
-                <a:latin typeface="Arial" charset="0"/>
-                <a:ea typeface="ＭＳ Ｐゴシック" charset="0"/>
-              </a:defRPr>
-            </a:lvl5pPr>
-            <a:lvl6pPr marL="457200" eaLnBrk="0" fontAlgn="base" hangingPunct="0">
-              <a:spcBef>
-                <a:spcPct val="0"/>
-              </a:spcBef>
-              <a:spcAft>
-                <a:spcPct val="0"/>
-              </a:spcAft>
-              <a:defRPr sz="2400">
-                <a:solidFill>
-                  <a:schemeClr val="tx1"/>
-                </a:solidFill>
-                <a:latin typeface="Arial" charset="0"/>
-                <a:ea typeface="ＭＳ Ｐゴシック" charset="0"/>
-              </a:defRPr>
-            </a:lvl6pPr>
-            <a:lvl7pPr marL="914400" eaLnBrk="0" fontAlgn="base" hangingPunct="0">
-              <a:spcBef>
-                <a:spcPct val="0"/>
-              </a:spcBef>
-              <a:spcAft>
-                <a:spcPct val="0"/>
-              </a:spcAft>
-              <a:defRPr sz="2400">
-                <a:solidFill>
-                  <a:schemeClr val="tx1"/>
-                </a:solidFill>
-                <a:latin typeface="Arial" charset="0"/>
-                <a:ea typeface="ＭＳ Ｐゴシック" charset="0"/>
-              </a:defRPr>
-            </a:lvl7pPr>
-            <a:lvl8pPr marL="1371600" eaLnBrk="0" fontAlgn="base" hangingPunct="0">
-              <a:spcBef>
-                <a:spcPct val="0"/>
-              </a:spcBef>
-              <a:spcAft>
-                <a:spcPct val="0"/>
-              </a:spcAft>
-              <a:defRPr sz="2400">
-                <a:solidFill>
-                  <a:schemeClr val="tx1"/>
-                </a:solidFill>
-                <a:latin typeface="Arial" charset="0"/>
-                <a:ea typeface="ＭＳ Ｐゴシック" charset="0"/>
-              </a:defRPr>
-            </a:lvl8pPr>
-            <a:lvl9pPr marL="1828800" eaLnBrk="0" fontAlgn="base" hangingPunct="0">
-              <a:spcBef>
-                <a:spcPct val="0"/>
-              </a:spcBef>
-              <a:spcAft>
-                <a:spcPct val="0"/>
-              </a:spcAft>
-              <a:defRPr sz="2400">
-                <a:solidFill>
-                  <a:schemeClr val="tx1"/>
-                </a:solidFill>
-                <a:latin typeface="Arial" charset="0"/>
-                <a:ea typeface="ＭＳ Ｐゴシック" charset="0"/>
-              </a:defRPr>
-            </a:lvl9pPr>
-          </a:lstStyle>
-          <a:p>
-            <a:pPr algn="r" eaLnBrk="1" hangingPunct="1">
-              <a:defRPr/>
-            </a:pPr>
-            <a:r>
-              <a:rPr lang="en-US" sz="1600" b="1" smtClean="0">
-                <a:cs typeface="Arial" charset="0"/>
-              </a:rPr>
-              <a:t>http://meetings.cshl.edu/</a:t>
-            </a:r>
-            <a:endParaRPr lang="en-US" sz="1600" smtClean="0">
-              <a:cs typeface="Arial" charset="0"/>
-            </a:endParaRPr>
-          </a:p>
-        </p:txBody>
-      </p:sp>
-      <p:sp>
-        <p:nvSpPr>
           <p:cNvPr id="2" name="Title 1"/>
           <p:cNvSpPr>
             <a:spLocks noGrp="1"/>
@@ -3985,6 +3812,162 @@
               <a:t>Fifth level</a:t>
             </a:r>
             <a:endParaRPr lang="en-US" dirty="0"/>
+          </a:p>
+        </p:txBody>
+      </p:sp>
+      <p:sp>
+        <p:nvSpPr>
+          <p:cNvPr id="9" name="TextBox 8"/>
+          <p:cNvSpPr txBox="1"/>
+          <p:nvPr userDrawn="1"/>
+        </p:nvSpPr>
+        <p:spPr>
+          <a:xfrm>
+            <a:off x="6705600" y="6396038"/>
+            <a:ext cx="2362200" cy="457200"/>
+          </a:xfrm>
+          <a:prstGeom prst="rect">
+            <a:avLst/>
+          </a:prstGeom>
+          <a:noFill/>
+        </p:spPr>
+        <p:txBody>
+          <a:bodyPr>
+            <a:spAutoFit/>
+          </a:bodyPr>
+          <a:lstStyle>
+            <a:lvl1pPr eaLnBrk="0" hangingPunct="0">
+              <a:defRPr sz="2400">
+                <a:solidFill>
+                  <a:schemeClr val="tx1"/>
+                </a:solidFill>
+                <a:latin typeface="Arial" charset="0"/>
+                <a:ea typeface="ＭＳ Ｐゴシック" charset="0"/>
+                <a:cs typeface="ＭＳ Ｐゴシック" charset="0"/>
+              </a:defRPr>
+            </a:lvl1pPr>
+            <a:lvl2pPr marL="37931725" indent="-37474525" eaLnBrk="0" hangingPunct="0">
+              <a:defRPr sz="2400">
+                <a:solidFill>
+                  <a:schemeClr val="tx1"/>
+                </a:solidFill>
+                <a:latin typeface="Arial" charset="0"/>
+                <a:ea typeface="ＭＳ Ｐゴシック" charset="0"/>
+              </a:defRPr>
+            </a:lvl2pPr>
+            <a:lvl3pPr eaLnBrk="0" hangingPunct="0">
+              <a:defRPr sz="2400">
+                <a:solidFill>
+                  <a:schemeClr val="tx1"/>
+                </a:solidFill>
+                <a:latin typeface="Arial" charset="0"/>
+                <a:ea typeface="ＭＳ Ｐゴシック" charset="0"/>
+              </a:defRPr>
+            </a:lvl3pPr>
+            <a:lvl4pPr eaLnBrk="0" hangingPunct="0">
+              <a:defRPr sz="2400">
+                <a:solidFill>
+                  <a:schemeClr val="tx1"/>
+                </a:solidFill>
+                <a:latin typeface="Arial" charset="0"/>
+                <a:ea typeface="ＭＳ Ｐゴシック" charset="0"/>
+              </a:defRPr>
+            </a:lvl4pPr>
+            <a:lvl5pPr eaLnBrk="0" hangingPunct="0">
+              <a:defRPr sz="2400">
+                <a:solidFill>
+                  <a:schemeClr val="tx1"/>
+                </a:solidFill>
+                <a:latin typeface="Arial" charset="0"/>
+                <a:ea typeface="ＭＳ Ｐゴシック" charset="0"/>
+              </a:defRPr>
+            </a:lvl5pPr>
+            <a:lvl6pPr marL="457200" eaLnBrk="0" fontAlgn="base" hangingPunct="0">
+              <a:spcBef>
+                <a:spcPct val="0"/>
+              </a:spcBef>
+              <a:spcAft>
+                <a:spcPct val="0"/>
+              </a:spcAft>
+              <a:defRPr sz="2400">
+                <a:solidFill>
+                  <a:schemeClr val="tx1"/>
+                </a:solidFill>
+                <a:latin typeface="Arial" charset="0"/>
+                <a:ea typeface="ＭＳ Ｐゴシック" charset="0"/>
+              </a:defRPr>
+            </a:lvl6pPr>
+            <a:lvl7pPr marL="914400" eaLnBrk="0" fontAlgn="base" hangingPunct="0">
+              <a:spcBef>
+                <a:spcPct val="0"/>
+              </a:spcBef>
+              <a:spcAft>
+                <a:spcPct val="0"/>
+              </a:spcAft>
+              <a:defRPr sz="2400">
+                <a:solidFill>
+                  <a:schemeClr val="tx1"/>
+                </a:solidFill>
+                <a:latin typeface="Arial" charset="0"/>
+                <a:ea typeface="ＭＳ Ｐゴシック" charset="0"/>
+              </a:defRPr>
+            </a:lvl7pPr>
+            <a:lvl8pPr marL="1371600" eaLnBrk="0" fontAlgn="base" hangingPunct="0">
+              <a:spcBef>
+                <a:spcPct val="0"/>
+              </a:spcBef>
+              <a:spcAft>
+                <a:spcPct val="0"/>
+              </a:spcAft>
+              <a:defRPr sz="2400">
+                <a:solidFill>
+                  <a:schemeClr val="tx1"/>
+                </a:solidFill>
+                <a:latin typeface="Arial" charset="0"/>
+                <a:ea typeface="ＭＳ Ｐゴシック" charset="0"/>
+              </a:defRPr>
+            </a:lvl8pPr>
+            <a:lvl9pPr marL="1828800" eaLnBrk="0" fontAlgn="base" hangingPunct="0">
+              <a:spcBef>
+                <a:spcPct val="0"/>
+              </a:spcBef>
+              <a:spcAft>
+                <a:spcPct val="0"/>
+              </a:spcAft>
+              <a:defRPr sz="2400">
+                <a:solidFill>
+                  <a:schemeClr val="tx1"/>
+                </a:solidFill>
+                <a:latin typeface="Arial" charset="0"/>
+                <a:ea typeface="ＭＳ Ｐゴシック" charset="0"/>
+              </a:defRPr>
+            </a:lvl9pPr>
+          </a:lstStyle>
+          <a:p>
+            <a:pPr algn="r" eaLnBrk="1" hangingPunct="1">
+              <a:defRPr/>
+            </a:pPr>
+            <a:r>
+              <a:rPr lang="en-US" b="1" dirty="0" err="1" smtClean="0">
+                <a:cs typeface="Arial" charset="0"/>
+              </a:rPr>
+              <a:t>bio</a:t>
+            </a:r>
+            <a:r>
+              <a:rPr lang="en-US" dirty="0" err="1" smtClean="0">
+                <a:cs typeface="Arial" charset="0"/>
+              </a:rPr>
+              <a:t>informatics</a:t>
+            </a:r>
+            <a:r>
+              <a:rPr lang="en-US" sz="1400" dirty="0" err="1" smtClean="0">
+                <a:cs typeface="Arial" charset="0"/>
+              </a:rPr>
+              <a:t>.ca</a:t>
+            </a:r>
+            <a:endParaRPr lang="en-US" dirty="0" smtClean="0">
+              <a:cs typeface="Arial" charset="0"/>
+            </a:endParaRPr>
           </a:p>
         </p:txBody>
       </p:sp>
@@ -4220,150 +4203,6 @@
       </p:sp>
       <p:sp>
         <p:nvSpPr>
-          <p:cNvPr id="6" name="TextBox 5"/>
-          <p:cNvSpPr txBox="1"/>
-          <p:nvPr userDrawn="1"/>
-        </p:nvSpPr>
-        <p:spPr>
-          <a:xfrm>
-            <a:off x="6172200" y="6477000"/>
-            <a:ext cx="2895600" cy="338138"/>
-          </a:xfrm>
-          <a:prstGeom prst="rect">
-            <a:avLst/>
-          </a:prstGeom>
-          <a:noFill/>
-        </p:spPr>
-        <p:txBody>
-          <a:bodyPr>
-            <a:spAutoFit/>
-          </a:bodyPr>
-          <a:lstStyle>
-            <a:lvl1pPr eaLnBrk="0" hangingPunct="0">
-              <a:defRPr sz="2400">
-                <a:solidFill>
-                  <a:schemeClr val="tx1"/>
-                </a:solidFill>
-                <a:latin typeface="Arial" charset="0"/>
-                <a:ea typeface="ＭＳ Ｐゴシック" charset="0"/>
-                <a:cs typeface="ＭＳ Ｐゴシック" charset="0"/>
-              </a:defRPr>
-            </a:lvl1pPr>
-            <a:lvl2pPr marL="37931725" indent="-37474525" eaLnBrk="0" hangingPunct="0">
-              <a:defRPr sz="2400">
-                <a:solidFill>
-                  <a:schemeClr val="tx1"/>
-                </a:solidFill>
-                <a:latin typeface="Arial" charset="0"/>
-                <a:ea typeface="ＭＳ Ｐゴシック" charset="0"/>
-              </a:defRPr>
-            </a:lvl2pPr>
-            <a:lvl3pPr eaLnBrk="0" hangingPunct="0">
-              <a:defRPr sz="2400">
-                <a:solidFill>
-                  <a:schemeClr val="tx1"/>
-                </a:solidFill>
-                <a:latin typeface="Arial" charset="0"/>
-                <a:ea typeface="ＭＳ Ｐゴシック" charset="0"/>
-              </a:defRPr>
-            </a:lvl3pPr>
-            <a:lvl4pPr eaLnBrk="0" hangingPunct="0">
-              <a:defRPr sz="2400">
-                <a:solidFill>
-                  <a:schemeClr val="tx1"/>
-                </a:solidFill>
-                <a:latin typeface="Arial" charset="0"/>
-                <a:ea typeface="ＭＳ Ｐゴシック" charset="0"/>
-              </a:defRPr>
-            </a:lvl4pPr>
-            <a:lvl5pPr eaLnBrk="0" hangingPunct="0">
-              <a:defRPr sz="2400">
-                <a:solidFill>
-                  <a:schemeClr val="tx1"/>
-                </a:solidFill>
-                <a:latin typeface="Arial" charset="0"/>
-                <a:ea typeface="ＭＳ Ｐゴシック" charset="0"/>
-              </a:defRPr>
-            </a:lvl5pPr>
-            <a:lvl6pPr marL="457200" eaLnBrk="0" fontAlgn="base" hangingPunct="0">
-              <a:spcBef>
-                <a:spcPct val="0"/>
-              </a:spcBef>
-              <a:spcAft>
-                <a:spcPct val="0"/>
-              </a:spcAft>
-              <a:defRPr sz="2400">
-                <a:solidFill>
-                  <a:schemeClr val="tx1"/>
-                </a:solidFill>
-                <a:latin typeface="Arial" charset="0"/>
-                <a:ea typeface="ＭＳ Ｐゴシック" charset="0"/>
-              </a:defRPr>
-            </a:lvl6pPr>
-            <a:lvl7pPr marL="914400" eaLnBrk="0" fontAlgn="base" hangingPunct="0">
-              <a:spcBef>
-                <a:spcPct val="0"/>
-              </a:spcBef>
-              <a:spcAft>
-                <a:spcPct val="0"/>
-              </a:spcAft>
-              <a:defRPr sz="2400">
-                <a:solidFill>
-                  <a:schemeClr val="tx1"/>
-                </a:solidFill>
-                <a:latin typeface="Arial" charset="0"/>
-                <a:ea typeface="ＭＳ Ｐゴシック" charset="0"/>
-              </a:defRPr>
-            </a:lvl7pPr>
-            <a:lvl8pPr marL="1371600" eaLnBrk="0" fontAlgn="base" hangingPunct="0">
-              <a:spcBef>
-                <a:spcPct val="0"/>
-              </a:spcBef>
-              <a:spcAft>
-                <a:spcPct val="0"/>
-              </a:spcAft>
-              <a:defRPr sz="2400">
-                <a:solidFill>
-                  <a:schemeClr val="tx1"/>
-                </a:solidFill>
-                <a:latin typeface="Arial" charset="0"/>
-                <a:ea typeface="ＭＳ Ｐゴシック" charset="0"/>
-              </a:defRPr>
-            </a:lvl8pPr>
-            <a:lvl9pPr marL="1828800" eaLnBrk="0" fontAlgn="base" hangingPunct="0">
-              <a:spcBef>
-                <a:spcPct val="0"/>
-              </a:spcBef>
-              <a:spcAft>
-                <a:spcPct val="0"/>
-              </a:spcAft>
-              <a:defRPr sz="2400">
-                <a:solidFill>
-                  <a:schemeClr val="tx1"/>
-                </a:solidFill>
-                <a:latin typeface="Arial" charset="0"/>
-                <a:ea typeface="ＭＳ Ｐゴシック" charset="0"/>
-              </a:defRPr>
-            </a:lvl9pPr>
-          </a:lstStyle>
-          <a:p>
-            <a:pPr algn="r" eaLnBrk="1" hangingPunct="1">
-              <a:defRPr/>
-            </a:pPr>
-            <a:r>
-              <a:rPr lang="en-US" sz="1600" b="1" smtClean="0">
-                <a:cs typeface="Arial" charset="0"/>
-              </a:rPr>
-              <a:t>http://meetings.cshl.edu/</a:t>
-            </a:r>
-            <a:endParaRPr lang="en-US" sz="1600" smtClean="0">
-              <a:cs typeface="Arial" charset="0"/>
-            </a:endParaRPr>
-          </a:p>
-        </p:txBody>
-      </p:sp>
-      <p:sp>
-        <p:nvSpPr>
           <p:cNvPr id="3" name="Content Placeholder 2"/>
           <p:cNvSpPr>
             <a:spLocks noGrp="1"/>
@@ -4447,6 +4286,162 @@
               <a:t>Fifth level</a:t>
             </a:r>
             <a:endParaRPr lang="en-US" dirty="0"/>
+          </a:p>
+        </p:txBody>
+      </p:sp>
+      <p:sp>
+        <p:nvSpPr>
+          <p:cNvPr id="7" name="TextBox 6"/>
+          <p:cNvSpPr txBox="1"/>
+          <p:nvPr userDrawn="1"/>
+        </p:nvSpPr>
+        <p:spPr>
+          <a:xfrm>
+            <a:off x="6705600" y="6396038"/>
+            <a:ext cx="2362200" cy="457200"/>
+          </a:xfrm>
+          <a:prstGeom prst="rect">
+            <a:avLst/>
+          </a:prstGeom>
+          <a:noFill/>
+        </p:spPr>
+        <p:txBody>
+          <a:bodyPr>
+            <a:spAutoFit/>
+          </a:bodyPr>
+          <a:lstStyle>
+            <a:lvl1pPr eaLnBrk="0" hangingPunct="0">
+              <a:defRPr sz="2400">
+                <a:solidFill>
+                  <a:schemeClr val="tx1"/>
+                </a:solidFill>
+                <a:latin typeface="Arial" charset="0"/>
+                <a:ea typeface="ＭＳ Ｐゴシック" charset="0"/>
+                <a:cs typeface="ＭＳ Ｐゴシック" charset="0"/>
+              </a:defRPr>
+            </a:lvl1pPr>
+            <a:lvl2pPr marL="37931725" indent="-37474525" eaLnBrk="0" hangingPunct="0">
+              <a:defRPr sz="2400">
+                <a:solidFill>
+                  <a:schemeClr val="tx1"/>
+                </a:solidFill>
+                <a:latin typeface="Arial" charset="0"/>
+                <a:ea typeface="ＭＳ Ｐゴシック" charset="0"/>
+              </a:defRPr>
+            </a:lvl2pPr>
+            <a:lvl3pPr eaLnBrk="0" hangingPunct="0">
+              <a:defRPr sz="2400">
+                <a:solidFill>
+                  <a:schemeClr val="tx1"/>
+                </a:solidFill>
+                <a:latin typeface="Arial" charset="0"/>
+                <a:ea typeface="ＭＳ Ｐゴシック" charset="0"/>
+              </a:defRPr>
+            </a:lvl3pPr>
+            <a:lvl4pPr eaLnBrk="0" hangingPunct="0">
+              <a:defRPr sz="2400">
+                <a:solidFill>
+                  <a:schemeClr val="tx1"/>
+                </a:solidFill>
+                <a:latin typeface="Arial" charset="0"/>
+                <a:ea typeface="ＭＳ Ｐゴシック" charset="0"/>
+              </a:defRPr>
+            </a:lvl4pPr>
+            <a:lvl5pPr eaLnBrk="0" hangingPunct="0">
+              <a:defRPr sz="2400">
+                <a:solidFill>
+                  <a:schemeClr val="tx1"/>
+                </a:solidFill>
+                <a:latin typeface="Arial" charset="0"/>
+                <a:ea typeface="ＭＳ Ｐゴシック" charset="0"/>
+              </a:defRPr>
+            </a:lvl5pPr>
+            <a:lvl6pPr marL="457200" eaLnBrk="0" fontAlgn="base" hangingPunct="0">
+              <a:spcBef>
+                <a:spcPct val="0"/>
+              </a:spcBef>
+              <a:spcAft>
+                <a:spcPct val="0"/>
+              </a:spcAft>
+              <a:defRPr sz="2400">
+                <a:solidFill>
+                  <a:schemeClr val="tx1"/>
+                </a:solidFill>
+                <a:latin typeface="Arial" charset="0"/>
+                <a:ea typeface="ＭＳ Ｐゴシック" charset="0"/>
+              </a:defRPr>
+            </a:lvl6pPr>
+            <a:lvl7pPr marL="914400" eaLnBrk="0" fontAlgn="base" hangingPunct="0">
+              <a:spcBef>
+                <a:spcPct val="0"/>
+              </a:spcBef>
+              <a:spcAft>
+                <a:spcPct val="0"/>
+              </a:spcAft>
+              <a:defRPr sz="2400">
+                <a:solidFill>
+                  <a:schemeClr val="tx1"/>
+                </a:solidFill>
+                <a:latin typeface="Arial" charset="0"/>
+                <a:ea typeface="ＭＳ Ｐゴシック" charset="0"/>
+              </a:defRPr>
+            </a:lvl7pPr>
+            <a:lvl8pPr marL="1371600" eaLnBrk="0" fontAlgn="base" hangingPunct="0">
+              <a:spcBef>
+                <a:spcPct val="0"/>
+              </a:spcBef>
+              <a:spcAft>
+                <a:spcPct val="0"/>
+              </a:spcAft>
+              <a:defRPr sz="2400">
+                <a:solidFill>
+                  <a:schemeClr val="tx1"/>
+                </a:solidFill>
+                <a:latin typeface="Arial" charset="0"/>
+                <a:ea typeface="ＭＳ Ｐゴシック" charset="0"/>
+              </a:defRPr>
+            </a:lvl8pPr>
+            <a:lvl9pPr marL="1828800" eaLnBrk="0" fontAlgn="base" hangingPunct="0">
+              <a:spcBef>
+                <a:spcPct val="0"/>
+              </a:spcBef>
+              <a:spcAft>
+                <a:spcPct val="0"/>
+              </a:spcAft>
+              <a:defRPr sz="2400">
+                <a:solidFill>
+                  <a:schemeClr val="tx1"/>
+                </a:solidFill>
+                <a:latin typeface="Arial" charset="0"/>
+                <a:ea typeface="ＭＳ Ｐゴシック" charset="0"/>
+              </a:defRPr>
+            </a:lvl9pPr>
+          </a:lstStyle>
+          <a:p>
+            <a:pPr algn="r" eaLnBrk="1" hangingPunct="1">
+              <a:defRPr/>
+            </a:pPr>
+            <a:r>
+              <a:rPr lang="en-US" b="1" dirty="0" err="1" smtClean="0">
+                <a:cs typeface="Arial" charset="0"/>
+              </a:rPr>
+              <a:t>bio</a:t>
+            </a:r>
+            <a:r>
+              <a:rPr lang="en-US" dirty="0" err="1" smtClean="0">
+                <a:cs typeface="Arial" charset="0"/>
+              </a:rPr>
+              <a:t>informatics</a:t>
+            </a:r>
+            <a:r>
+              <a:rPr lang="en-US" sz="1400" dirty="0" err="1" smtClean="0">
+                <a:cs typeface="Arial" charset="0"/>
+              </a:rPr>
+              <a:t>.ca</a:t>
+            </a:r>
+            <a:endParaRPr lang="en-US" dirty="0" smtClean="0">
+              <a:cs typeface="Arial" charset="0"/>
+            </a:endParaRPr>
           </a:p>
         </p:txBody>
       </p:sp>
@@ -4679,7 +4674,7 @@
               <a:pPr>
                 <a:defRPr/>
               </a:pPr>
-              <a:t>11/14/15</a:t>
+              <a:t>6/13/16</a:t>
             </a:fld>
             <a:endParaRPr lang="en-US"/>
           </a:p>
@@ -5215,7 +5210,7 @@
         </p:nvSpPr>
         <p:spPr>
           <a:xfrm>
-            <a:off x="685800" y="2819400"/>
+            <a:off x="659614" y="2845296"/>
             <a:ext cx="7772400" cy="1447800"/>
           </a:xfrm>
         </p:spPr>
@@ -5225,7 +5220,7 @@
           <a:p>
             <a:pPr eaLnBrk="1" hangingPunct="1"/>
             <a:r>
-              <a:rPr lang="en-US" b="0">
+              <a:rPr lang="en-US" b="0" dirty="0">
                 <a:solidFill>
                   <a:srgbClr val="CA0000"/>
                 </a:solidFill>
@@ -5233,14 +5228,68 @@
                 <a:ea typeface="ＭＳ Ｐゴシック" charset="0"/>
                 <a:cs typeface="ＭＳ Ｐゴシック" charset="0"/>
               </a:rPr>
-              <a:t>Advanced Sequencing Technologies &amp; Applications</a:t>
+              <a:t>Canadian Bioinformatics Workshops</a:t>
             </a:r>
           </a:p>
         </p:txBody>
       </p:sp>
+      <p:pic>
+        <p:nvPicPr>
+          <p:cNvPr id="8" name="Picture 7" descr="bioinformatics.ca-logo-white-text.png"/>
+          <p:cNvPicPr>
+            <a:picLocks noChangeAspect="1"/>
+          </p:cNvPicPr>
+          <p:nvPr/>
+        </p:nvPicPr>
+        <p:blipFill>
+          <a:blip r:embed="rId2">
+            <a:extLst>
+              <a:ext uri="{28A0092B-C50C-407E-A947-70E740481C1C}">
+                <a14:useLocalDpi xmlns:a14="http://schemas.microsoft.com/office/drawing/2010/main" val="0"/>
+              </a:ext>
+            </a:extLst>
+          </a:blip>
+          <a:srcRect/>
+          <a:stretch>
+            <a:fillRect/>
+          </a:stretch>
+        </p:blipFill>
+        <p:spPr bwMode="auto">
+          <a:xfrm>
+            <a:off x="3419872" y="1196752"/>
+            <a:ext cx="2480338" cy="1043657"/>
+          </a:xfrm>
+          <a:prstGeom prst="rect">
+            <a:avLst/>
+          </a:prstGeom>
+          <a:noFill/>
+          <a:ln>
+            <a:noFill/>
+          </a:ln>
+          <a:extLst>
+            <a:ext uri="{909E8E84-426E-40dd-AFC4-6F175D3DCCD1}">
+              <a14:hiddenFill xmlns:a14="http://schemas.microsoft.com/office/drawing/2010/main">
+                <a:solidFill>
+                  <a:srgbClr val="FFFFFF"/>
+                </a:solidFill>
+              </a14:hiddenFill>
+            </a:ext>
+            <a:ext uri="{91240B29-F687-4f45-9708-019B960494DF}">
+              <a14:hiddenLine xmlns:a14="http://schemas.microsoft.com/office/drawing/2010/main" w="9525">
+                <a:solidFill>
+                  <a:srgbClr val="000000"/>
+                </a:solidFill>
+                <a:miter lim="800000"/>
+                <a:headEnd/>
+                <a:tailEnd/>
+              </a14:hiddenLine>
+            </a:ext>
+          </a:extLst>
+        </p:spPr>
+      </p:pic>
       <p:sp>
         <p:nvSpPr>
-          <p:cNvPr id="9218" name="Rectangle 3"/>
+          <p:cNvPr id="9" name="Rectangle 3"/>
           <p:cNvSpPr txBox="1">
             <a:spLocks noChangeArrowheads="1"/>
           </p:cNvSpPr>
@@ -5248,7 +5297,7 @@
         </p:nvSpPr>
         <p:spPr bwMode="auto">
           <a:xfrm>
-            <a:off x="1182688" y="4549775"/>
+            <a:off x="1115616" y="4166071"/>
             <a:ext cx="6778625" cy="1927225"/>
           </a:xfrm>
           <a:prstGeom prst="rect">
@@ -5282,133 +5331,190 @@
           </a:extLst>
         </p:spPr>
         <p:txBody>
-          <a:bodyPr/>
+          <a:bodyPr vert="horz" wrap="square" lIns="91440" tIns="45720" rIns="91440" bIns="45720" numCol="1" anchor="t" anchorCtr="0" compatLnSpc="1">
+            <a:prstTxWarp prst="textNoShape">
+              <a:avLst/>
+            </a:prstTxWarp>
+          </a:bodyPr>
           <a:lstStyle>
-            <a:lvl1pPr eaLnBrk="0" hangingPunct="0">
-              <a:defRPr sz="2400">
-                <a:solidFill>
-                  <a:schemeClr val="tx1"/>
-                </a:solidFill>
-                <a:latin typeface="Arial" charset="0"/>
-                <a:ea typeface="ＭＳ Ｐゴシック" charset="0"/>
-                <a:cs typeface="ＭＳ Ｐゴシック" charset="0"/>
-              </a:defRPr>
-            </a:lvl1pPr>
-            <a:lvl2pPr marL="742950" indent="-285750" eaLnBrk="0" hangingPunct="0">
-              <a:defRPr sz="2400">
-                <a:solidFill>
-                  <a:schemeClr val="tx1"/>
-                </a:solidFill>
-                <a:latin typeface="Arial" charset="0"/>
-                <a:ea typeface="ＭＳ Ｐゴシック" charset="0"/>
-              </a:defRPr>
-            </a:lvl2pPr>
-            <a:lvl3pPr marL="1143000" indent="-228600" eaLnBrk="0" hangingPunct="0">
-              <a:defRPr sz="2400">
-                <a:solidFill>
-                  <a:schemeClr val="tx1"/>
-                </a:solidFill>
-                <a:latin typeface="Arial" charset="0"/>
-                <a:ea typeface="ＭＳ Ｐゴシック" charset="0"/>
-              </a:defRPr>
-            </a:lvl3pPr>
-            <a:lvl4pPr marL="1600200" indent="-228600" eaLnBrk="0" hangingPunct="0">
-              <a:defRPr sz="2400">
-                <a:solidFill>
-                  <a:schemeClr val="tx1"/>
-                </a:solidFill>
-                <a:latin typeface="Arial" charset="0"/>
-                <a:ea typeface="ＭＳ Ｐゴシック" charset="0"/>
-              </a:defRPr>
-            </a:lvl4pPr>
-            <a:lvl5pPr marL="2057400" indent="-228600" eaLnBrk="0" hangingPunct="0">
-              <a:defRPr sz="2400">
-                <a:solidFill>
-                  <a:schemeClr val="tx1"/>
-                </a:solidFill>
-                <a:latin typeface="Arial" charset="0"/>
-                <a:ea typeface="ＭＳ Ｐゴシック" charset="0"/>
-              </a:defRPr>
-            </a:lvl5pPr>
-            <a:lvl6pPr marL="2514600" indent="-228600" eaLnBrk="0" fontAlgn="base" hangingPunct="0">
-              <a:spcBef>
-                <a:spcPct val="0"/>
-              </a:spcBef>
-              <a:spcAft>
-                <a:spcPct val="0"/>
-              </a:spcAft>
-              <a:defRPr sz="2400">
-                <a:solidFill>
-                  <a:schemeClr val="tx1"/>
-                </a:solidFill>
-                <a:latin typeface="Arial" charset="0"/>
-                <a:ea typeface="ＭＳ Ｐゴシック" charset="0"/>
-              </a:defRPr>
-            </a:lvl6pPr>
-            <a:lvl7pPr marL="2971800" indent="-228600" eaLnBrk="0" fontAlgn="base" hangingPunct="0">
-              <a:spcBef>
-                <a:spcPct val="0"/>
-              </a:spcBef>
-              <a:spcAft>
-                <a:spcPct val="0"/>
-              </a:spcAft>
-              <a:defRPr sz="2400">
-                <a:solidFill>
-                  <a:schemeClr val="tx1"/>
-                </a:solidFill>
-                <a:latin typeface="Arial" charset="0"/>
-                <a:ea typeface="ＭＳ Ｐゴシック" charset="0"/>
-              </a:defRPr>
-            </a:lvl7pPr>
-            <a:lvl8pPr marL="3429000" indent="-228600" eaLnBrk="0" fontAlgn="base" hangingPunct="0">
-              <a:spcBef>
-                <a:spcPct val="0"/>
-              </a:spcBef>
-              <a:spcAft>
-                <a:spcPct val="0"/>
-              </a:spcAft>
-              <a:defRPr sz="2400">
-                <a:solidFill>
-                  <a:schemeClr val="tx1"/>
-                </a:solidFill>
-                <a:latin typeface="Arial" charset="0"/>
-                <a:ea typeface="ＭＳ Ｐゴシック" charset="0"/>
-              </a:defRPr>
-            </a:lvl8pPr>
-            <a:lvl9pPr marL="3886200" indent="-228600" eaLnBrk="0" fontAlgn="base" hangingPunct="0">
-              <a:spcBef>
-                <a:spcPct val="0"/>
-              </a:spcBef>
-              <a:spcAft>
-                <a:spcPct val="0"/>
-              </a:spcAft>
-              <a:defRPr sz="2400">
-                <a:solidFill>
-                  <a:schemeClr val="tx1"/>
-                </a:solidFill>
-                <a:latin typeface="Arial" charset="0"/>
-                <a:ea typeface="ＭＳ Ｐゴシック" charset="0"/>
-              </a:defRPr>
-            </a:lvl9pPr>
-          </a:lstStyle>
-          <a:p>
-            <a:pPr algn="ctr" eaLnBrk="1" hangingPunct="1">
+            <a:lvl1pPr marL="342900" indent="-342900" algn="l" rtl="0" eaLnBrk="0" fontAlgn="base" hangingPunct="0">
               <a:spcBef>
                 <a:spcPct val="20000"/>
               </a:spcBef>
+              <a:spcAft>
+                <a:spcPct val="0"/>
+              </a:spcAft>
+              <a:buFont typeface="Arial" charset="0"/>
+              <a:buChar char="•"/>
+              <a:defRPr sz="2800" kern="1200">
+                <a:solidFill>
+                  <a:schemeClr val="tx1"/>
+                </a:solidFill>
+                <a:latin typeface="Calibri"/>
+                <a:ea typeface="ＭＳ Ｐゴシック" pitchFamily="-28" charset="-128"/>
+                <a:cs typeface="Calibri"/>
+              </a:defRPr>
+            </a:lvl1pPr>
+            <a:lvl2pPr marL="742950" indent="-285750" algn="l" rtl="0" eaLnBrk="0" fontAlgn="base" hangingPunct="0">
+              <a:spcBef>
+                <a:spcPct val="20000"/>
+              </a:spcBef>
+              <a:spcAft>
+                <a:spcPct val="0"/>
+              </a:spcAft>
+              <a:buFont typeface="Arial" charset="0"/>
+              <a:buChar char="–"/>
+              <a:defRPr sz="2400" kern="1200">
+                <a:solidFill>
+                  <a:schemeClr val="tx1"/>
+                </a:solidFill>
+                <a:latin typeface="Calibri"/>
+                <a:ea typeface="ＭＳ Ｐゴシック" pitchFamily="-28" charset="-128"/>
+                <a:cs typeface="Calibri"/>
+              </a:defRPr>
+            </a:lvl2pPr>
+            <a:lvl3pPr marL="1143000" indent="-228600" algn="l" rtl="0" eaLnBrk="0" fontAlgn="base" hangingPunct="0">
+              <a:spcBef>
+                <a:spcPct val="20000"/>
+              </a:spcBef>
+              <a:spcAft>
+                <a:spcPct val="0"/>
+              </a:spcAft>
+              <a:buFont typeface="Arial" charset="0"/>
+              <a:buChar char="•"/>
+              <a:defRPr sz="2000" kern="1200">
+                <a:solidFill>
+                  <a:schemeClr val="tx1"/>
+                </a:solidFill>
+                <a:latin typeface="Calibri"/>
+                <a:ea typeface="ＭＳ Ｐゴシック" pitchFamily="-28" charset="-128"/>
+                <a:cs typeface="Calibri"/>
+              </a:defRPr>
+            </a:lvl3pPr>
+            <a:lvl4pPr marL="1600200" indent="-228600" algn="l" rtl="0" eaLnBrk="0" fontAlgn="base" hangingPunct="0">
+              <a:spcBef>
+                <a:spcPct val="20000"/>
+              </a:spcBef>
+              <a:spcAft>
+                <a:spcPct val="0"/>
+              </a:spcAft>
+              <a:buFont typeface="Arial" charset="0"/>
+              <a:buChar char="–"/>
+              <a:defRPr kern="1200">
+                <a:solidFill>
+                  <a:schemeClr val="tx1"/>
+                </a:solidFill>
+                <a:latin typeface="Calibri"/>
+                <a:ea typeface="ＭＳ Ｐゴシック" pitchFamily="-28" charset="-128"/>
+                <a:cs typeface="Calibri"/>
+              </a:defRPr>
+            </a:lvl4pPr>
+            <a:lvl5pPr marL="2057400" indent="-228600" algn="l" rtl="0" eaLnBrk="0" fontAlgn="base" hangingPunct="0">
+              <a:spcBef>
+                <a:spcPct val="20000"/>
+              </a:spcBef>
+              <a:spcAft>
+                <a:spcPct val="0"/>
+              </a:spcAft>
+              <a:buFont typeface="Arial" charset="0"/>
+              <a:buChar char="»"/>
+              <a:defRPr kern="1200">
+                <a:solidFill>
+                  <a:schemeClr val="tx1"/>
+                </a:solidFill>
+                <a:latin typeface="Calibri"/>
+                <a:ea typeface="ＭＳ Ｐゴシック" pitchFamily="-28" charset="-128"/>
+                <a:cs typeface="Calibri"/>
+              </a:defRPr>
+            </a:lvl5pPr>
+            <a:lvl6pPr marL="2514600" indent="-228600" algn="l" defTabSz="914400" rtl="0" eaLnBrk="1" latinLnBrk="0" hangingPunct="1">
+              <a:spcBef>
+                <a:spcPct val="20000"/>
+              </a:spcBef>
+              <a:buFont typeface="Arial" pitchFamily="34" charset="0"/>
+              <a:buChar char="•"/>
+              <a:defRPr sz="2000" kern="1200">
+                <a:solidFill>
+                  <a:schemeClr val="tx1"/>
+                </a:solidFill>
+                <a:latin typeface="+mn-lt"/>
+                <a:ea typeface="+mn-ea"/>
+                <a:cs typeface="+mn-cs"/>
+              </a:defRPr>
+            </a:lvl6pPr>
+            <a:lvl7pPr marL="2971800" indent="-228600" algn="l" defTabSz="914400" rtl="0" eaLnBrk="1" latinLnBrk="0" hangingPunct="1">
+              <a:spcBef>
+                <a:spcPct val="20000"/>
+              </a:spcBef>
+              <a:buFont typeface="Arial" pitchFamily="34" charset="0"/>
+              <a:buChar char="•"/>
+              <a:defRPr sz="2000" kern="1200">
+                <a:solidFill>
+                  <a:schemeClr val="tx1"/>
+                </a:solidFill>
+                <a:latin typeface="+mn-lt"/>
+                <a:ea typeface="+mn-ea"/>
+                <a:cs typeface="+mn-cs"/>
+              </a:defRPr>
+            </a:lvl7pPr>
+            <a:lvl8pPr marL="3429000" indent="-228600" algn="l" defTabSz="914400" rtl="0" eaLnBrk="1" latinLnBrk="0" hangingPunct="1">
+              <a:spcBef>
+                <a:spcPct val="20000"/>
+              </a:spcBef>
+              <a:buFont typeface="Arial" pitchFamily="34" charset="0"/>
+              <a:buChar char="•"/>
+              <a:defRPr sz="2000" kern="1200">
+                <a:solidFill>
+                  <a:schemeClr val="tx1"/>
+                </a:solidFill>
+                <a:latin typeface="+mn-lt"/>
+                <a:ea typeface="+mn-ea"/>
+                <a:cs typeface="+mn-cs"/>
+              </a:defRPr>
+            </a:lvl8pPr>
+            <a:lvl9pPr marL="3886200" indent="-228600" algn="l" defTabSz="914400" rtl="0" eaLnBrk="1" latinLnBrk="0" hangingPunct="1">
+              <a:spcBef>
+                <a:spcPct val="20000"/>
+              </a:spcBef>
+              <a:buFont typeface="Arial" pitchFamily="34" charset="0"/>
+              <a:buChar char="•"/>
+              <a:defRPr sz="2000" kern="1200">
+                <a:solidFill>
+                  <a:schemeClr val="tx1"/>
+                </a:solidFill>
+                <a:latin typeface="+mn-lt"/>
+                <a:ea typeface="+mn-ea"/>
+                <a:cs typeface="+mn-cs"/>
+              </a:defRPr>
+            </a:lvl9pPr>
+          </a:lstStyle>
+          <a:p>
+            <a:pPr marL="0" indent="0" algn="ctr" eaLnBrk="1" hangingPunct="1">
               <a:buFont typeface="Arial" charset="0"/>
               <a:buNone/>
             </a:pPr>
             <a:r>
-              <a:rPr lang="en-US" sz="2800">
-                <a:latin typeface="Calibri" charset="0"/>
-              </a:rPr>
-              <a:t>http://meetings.cshl.edu/courses.html</a:t>
-            </a:r>
+              <a:rPr lang="en-US" smtClean="0">
+                <a:latin typeface="Calibri" charset="0"/>
+                <a:ea typeface="ＭＳ Ｐゴシック" charset="0"/>
+                <a:cs typeface="ＭＳ Ｐゴシック" charset="0"/>
+              </a:rPr>
+              <a:t>www.bioinformatics.ca</a:t>
+            </a:r>
+            <a:endParaRPr lang="en-US" dirty="0">
+              <a:latin typeface="Calibri" charset="0"/>
+              <a:ea typeface="ＭＳ Ｐゴシック" charset="0"/>
+              <a:cs typeface="ＭＳ Ｐゴシック" charset="0"/>
+            </a:endParaRPr>
           </a:p>
         </p:txBody>
       </p:sp>
     </p:spTree>
+    <p:extLst>
+      <p:ext uri="{BB962C8B-B14F-4D97-AF65-F5344CB8AC3E}">
+        <p14:creationId xmlns:p14="http://schemas.microsoft.com/office/powerpoint/2010/main" val="613574331"/>
+      </p:ext>
+    </p:extLst>
   </p:cSld>
   <p:clrMapOvr>
     <a:masterClrMapping/>
@@ -5417,6 +5523,159 @@
 </file>
 
 <file path=ppt/slides/slide10.xml><?xml version="1.0" encoding="utf-8"?>
+<p:sld xmlns:a="http://schemas.openxmlformats.org/drawingml/2006/main" xmlns:r="http://schemas.openxmlformats.org/officeDocument/2006/relationships" xmlns:p="http://schemas.openxmlformats.org/presentationml/2006/main">
+  <p:cSld>
+    <p:spTree>
+      <p:nvGrpSpPr>
+        <p:cNvPr id="1" name=""/>
+        <p:cNvGrpSpPr/>
+        <p:nvPr/>
+      </p:nvGrpSpPr>
+      <p:grpSpPr>
+        <a:xfrm>
+          <a:off x="0" y="0"/>
+          <a:ext cx="0" cy="0"/>
+          <a:chOff x="0" y="0"/>
+          <a:chExt cx="0" cy="0"/>
+        </a:xfrm>
+      </p:grpSpPr>
+      <p:sp>
+        <p:nvSpPr>
+          <p:cNvPr id="23553" name="Title 1"/>
+          <p:cNvSpPr>
+            <a:spLocks noGrp="1"/>
+          </p:cNvSpPr>
+          <p:nvPr>
+            <p:ph type="title"/>
+          </p:nvPr>
+        </p:nvSpPr>
+        <p:spPr>
+          <a:xfrm>
+            <a:off x="152400" y="44624"/>
+            <a:ext cx="8839200" cy="1143000"/>
+          </a:xfrm>
+        </p:spPr>
+        <p:txBody>
+          <a:bodyPr/>
+          <a:lstStyle/>
+          <a:p>
+            <a:r>
+              <a:rPr lang="en-US" dirty="0">
+                <a:latin typeface="Calibri" charset="0"/>
+                <a:ea typeface="ＭＳ Ｐゴシック" charset="0"/>
+              </a:rPr>
+              <a:t>1</a:t>
+            </a:r>
+            <a:r>
+              <a:rPr lang="en-US" dirty="0" smtClean="0">
+                <a:latin typeface="Calibri" charset="0"/>
+                <a:ea typeface="ＭＳ Ｐゴシック" charset="0"/>
+              </a:rPr>
+              <a:t>-iv. Create </a:t>
+            </a:r>
+            <a:r>
+              <a:rPr lang="en-US" dirty="0">
+                <a:latin typeface="Calibri" charset="0"/>
+                <a:ea typeface="ＭＳ Ｐゴシック" charset="0"/>
+              </a:rPr>
+              <a:t>Indexed reference genome</a:t>
+            </a:r>
+          </a:p>
+        </p:txBody>
+      </p:sp>
+      <p:sp>
+        <p:nvSpPr>
+          <p:cNvPr id="23554" name="Content Placeholder 2"/>
+          <p:cNvSpPr>
+            <a:spLocks noGrp="1"/>
+          </p:cNvSpPr>
+          <p:nvPr>
+            <p:ph idx="1"/>
+          </p:nvPr>
+        </p:nvSpPr>
+        <p:spPr/>
+        <p:txBody>
+          <a:bodyPr/>
+          <a:lstStyle/>
+          <a:p>
+            <a:r>
+              <a:rPr lang="en-US">
+                <a:latin typeface="Calibri" charset="0"/>
+                <a:ea typeface="ＭＳ Ｐゴシック" charset="0"/>
+              </a:rPr>
+              <a:t>Before sequences can be mapped to the genome, it must be </a:t>
+            </a:r>
+            <a:r>
+              <a:rPr lang="ja-JP" altLang="en-US">
+                <a:latin typeface="Calibri" charset="0"/>
+                <a:ea typeface="ＭＳ Ｐゴシック" charset="0"/>
+              </a:rPr>
+              <a:t>‘</a:t>
+            </a:r>
+            <a:r>
+              <a:rPr lang="en-US" altLang="ja-JP">
+                <a:latin typeface="Calibri" charset="0"/>
+                <a:ea typeface="ＭＳ Ｐゴシック" charset="0"/>
+              </a:rPr>
+              <a:t>indexed</a:t>
+            </a:r>
+            <a:r>
+              <a:rPr lang="ja-JP" altLang="en-US">
+                <a:latin typeface="Calibri" charset="0"/>
+                <a:ea typeface="ＭＳ Ｐゴシック" charset="0"/>
+              </a:rPr>
+              <a:t>’</a:t>
+            </a:r>
+            <a:r>
+              <a:rPr lang="en-US" altLang="ja-JP">
+                <a:latin typeface="Calibri" charset="0"/>
+                <a:ea typeface="ＭＳ Ｐゴシック" charset="0"/>
+              </a:rPr>
+              <a:t> in a way that is compatible with the aligner being used</a:t>
+            </a:r>
+          </a:p>
+          <a:p>
+            <a:pPr lvl="1"/>
+            <a:r>
+              <a:rPr lang="en-US">
+                <a:latin typeface="Calibri" charset="0"/>
+                <a:ea typeface="ＭＳ Ｐゴシック" charset="0"/>
+              </a:rPr>
+              <a:t>Bowtie is used to index the genome for Tophat alignments</a:t>
+            </a:r>
+          </a:p>
+          <a:p>
+            <a:pPr lvl="1"/>
+            <a:r>
+              <a:rPr lang="en-US">
+                <a:latin typeface="Calibri" charset="0"/>
+                <a:ea typeface="ＭＳ Ｐゴシック" charset="0"/>
+              </a:rPr>
+              <a:t>We will also optionally try the STAR aligner which requires its own indexed version of the genome</a:t>
+            </a:r>
+          </a:p>
+          <a:p>
+            <a:endParaRPr lang="en-US">
+              <a:latin typeface="Calibri" charset="0"/>
+              <a:ea typeface="ＭＳ Ｐゴシック" charset="0"/>
+            </a:endParaRPr>
+          </a:p>
+        </p:txBody>
+      </p:sp>
+    </p:spTree>
+    <p:extLst>
+      <p:ext uri="{BB962C8B-B14F-4D97-AF65-F5344CB8AC3E}">
+        <p14:creationId xmlns:p14="http://schemas.microsoft.com/office/powerpoint/2010/main" val="4258088638"/>
+      </p:ext>
+    </p:extLst>
+  </p:cSld>
+  <p:clrMapOvr>
+    <a:masterClrMapping/>
+  </p:clrMapOvr>
+</p:sld>
+</file>
+
+<file path=ppt/slides/slide11.xml><?xml version="1.0" encoding="utf-8"?>
 <p:sld xmlns:a="http://schemas.openxmlformats.org/drawingml/2006/main" xmlns:r="http://schemas.openxmlformats.org/officeDocument/2006/relationships" xmlns:p="http://schemas.openxmlformats.org/presentationml/2006/main">
   <p:cSld>
     <p:spTree>
@@ -5468,15 +5727,7 @@
                 <a:ea typeface="ＭＳ Ｐゴシック" charset="0"/>
                 <a:cs typeface="ＭＳ Ｐゴシック" charset="0"/>
               </a:rPr>
-              <a:t>-</a:t>
-            </a:r>
-            <a:r>
-              <a:rPr lang="en-US" altLang="ko-KR" dirty="0" smtClean="0">
-                <a:latin typeface="Calibri" charset="0"/>
-                <a:ea typeface="ＭＳ Ｐゴシック" charset="0"/>
-                <a:cs typeface="ＭＳ Ｐゴシック" charset="0"/>
-              </a:rPr>
-              <a:t>v. Obtain </a:t>
+              <a:t>-v. Obtain </a:t>
             </a:r>
             <a:r>
               <a:rPr lang="en-US" altLang="ko-KR" dirty="0">
@@ -5807,7 +6058,7 @@
 </p:sld>
 </file>
 
-<file path=ppt/slides/slide11.xml><?xml version="1.0" encoding="utf-8"?>
+<file path=ppt/slides/slide12.xml><?xml version="1.0" encoding="utf-8"?>
 <p:sld xmlns:a="http://schemas.openxmlformats.org/drawingml/2006/main" xmlns:r="http://schemas.openxmlformats.org/officeDocument/2006/relationships" xmlns:p="http://schemas.openxmlformats.org/presentationml/2006/main">
   <p:cSld>
     <p:spTree>
@@ -5859,15 +6110,7 @@
                 <a:ea typeface="ＭＳ Ｐゴシック" charset="0"/>
                 <a:cs typeface="ＭＳ Ｐゴシック" charset="0"/>
               </a:rPr>
-              <a:t>-</a:t>
-            </a:r>
-            <a:r>
-              <a:rPr lang="en-US" altLang="ko-KR" dirty="0" smtClean="0">
-                <a:latin typeface="Calibri" charset="0"/>
-                <a:ea typeface="ＭＳ Ｐゴシック" charset="0"/>
-                <a:cs typeface="ＭＳ Ｐゴシック" charset="0"/>
-              </a:rPr>
-              <a:t>v. </a:t>
+              <a:t>-v. </a:t>
             </a:r>
             <a:r>
               <a:rPr lang="en-US" altLang="ko-KR" dirty="0">
@@ -6345,7 +6588,7 @@
 </p:sld>
 </file>
 
-<file path=ppt/slides/slide12.xml><?xml version="1.0" encoding="utf-8"?>
+<file path=ppt/slides/slide13.xml><?xml version="1.0" encoding="utf-8"?>
 <p:sld xmlns:a="http://schemas.openxmlformats.org/drawingml/2006/main" xmlns:r="http://schemas.openxmlformats.org/officeDocument/2006/relationships" xmlns:p="http://schemas.openxmlformats.org/presentationml/2006/main">
   <p:cSld>
     <p:spTree>
@@ -6467,7 +6710,7 @@
 </p:sld>
 </file>
 
-<file path=ppt/slides/slide13.xml><?xml version="1.0" encoding="utf-8"?>
+<file path=ppt/slides/slide14.xml><?xml version="1.0" encoding="utf-8"?>
 <p:sld xmlns:a="http://schemas.openxmlformats.org/drawingml/2006/main" xmlns:r="http://schemas.openxmlformats.org/officeDocument/2006/relationships" xmlns:p="http://schemas.openxmlformats.org/presentationml/2006/main">
   <p:cSld>
     <p:spTree>
@@ -6486,7 +6729,7 @@
       </p:grpSpPr>
       <p:sp>
         <p:nvSpPr>
-          <p:cNvPr id="11265" name="Content Placeholder 3"/>
+          <p:cNvPr id="15361" name="Content Placeholder 3"/>
           <p:cNvSpPr>
             <a:spLocks noGrp="1"/>
           </p:cNvSpPr>
@@ -6496,12 +6739,15 @@
         </p:nvSpPr>
         <p:spPr>
           <a:xfrm>
-            <a:off x="152400" y="2667000"/>
-            <a:ext cx="8839200" cy="1600200"/>
+            <a:off x="0" y="0"/>
+            <a:ext cx="9144000" cy="2535238"/>
           </a:xfrm>
+          <a:solidFill>
+            <a:schemeClr val="tx1"/>
+          </a:solidFill>
         </p:spPr>
         <p:txBody>
-          <a:bodyPr/>
+          <a:bodyPr anchor="ctr"/>
           <a:lstStyle/>
           <a:p>
             <a:pPr algn="ctr">
@@ -6509,16 +6755,64 @@
               <a:buNone/>
             </a:pPr>
             <a:r>
-              <a:rPr lang="en-US" sz="4400">
-                <a:latin typeface="Calibri" charset="0"/>
-                <a:ea typeface="ＭＳ Ｐゴシック" charset="0"/>
-              </a:rPr>
-              <a:t>Break</a:t>
+              <a:rPr lang="en-US" sz="4400" dirty="0" smtClean="0">
+                <a:solidFill>
+                  <a:schemeClr val="bg1"/>
+                </a:solidFill>
+                <a:latin typeface="Calibri" charset="0"/>
+                <a:ea typeface="ＭＳ Ｐゴシック" charset="0"/>
+              </a:rPr>
+              <a:t>We </a:t>
+            </a:r>
+            <a:r>
+              <a:rPr lang="en-US" sz="4400" dirty="0">
+                <a:solidFill>
+                  <a:schemeClr val="bg1"/>
+                </a:solidFill>
+                <a:latin typeface="Calibri" charset="0"/>
+                <a:ea typeface="ＭＳ Ｐゴシック" charset="0"/>
+              </a:rPr>
+              <a:t>are on a Coffee Break &amp; Networking Session</a:t>
             </a:r>
           </a:p>
         </p:txBody>
       </p:sp>
+      <p:pic>
+        <p:nvPicPr>
+          <p:cNvPr id="2" name="Picture 1" descr="bioinformatics-ca.eps"/>
+          <p:cNvPicPr>
+            <a:picLocks noChangeAspect="1"/>
+          </p:cNvPicPr>
+          <p:nvPr/>
+        </p:nvPicPr>
+        <p:blipFill>
+          <a:blip r:embed="rId2">
+            <a:extLst>
+              <a:ext uri="{28A0092B-C50C-407E-A947-70E740481C1C}">
+                <a14:useLocalDpi xmlns:a14="http://schemas.microsoft.com/office/drawing/2010/main" val="0"/>
+              </a:ext>
+            </a:extLst>
+          </a:blip>
+          <a:stretch>
+            <a:fillRect/>
+          </a:stretch>
+        </p:blipFill>
+        <p:spPr>
+          <a:xfrm>
+            <a:off x="3347864" y="3645024"/>
+            <a:ext cx="2823006" cy="1213161"/>
+          </a:xfrm>
+          <a:prstGeom prst="rect">
+            <a:avLst/>
+          </a:prstGeom>
+        </p:spPr>
+      </p:pic>
     </p:spTree>
+    <p:extLst>
+      <p:ext uri="{BB962C8B-B14F-4D97-AF65-F5344CB8AC3E}">
+        <p14:creationId xmlns:p14="http://schemas.microsoft.com/office/powerpoint/2010/main" val="1575885224"/>
+      </p:ext>
+    </p:extLst>
   </p:cSld>
   <p:clrMapOvr>
     <a:masterClrMapping/>
@@ -6527,6 +6821,586 @@
 </file>
 
 <file path=ppt/slides/slide2.xml><?xml version="1.0" encoding="utf-8"?>
+<p:sld xmlns:a="http://schemas.openxmlformats.org/drawingml/2006/main" xmlns:r="http://schemas.openxmlformats.org/officeDocument/2006/relationships" xmlns:p="http://schemas.openxmlformats.org/presentationml/2006/main">
+  <p:cSld>
+    <p:spTree>
+      <p:nvGrpSpPr>
+        <p:cNvPr id="1" name=""/>
+        <p:cNvGrpSpPr/>
+        <p:nvPr/>
+      </p:nvGrpSpPr>
+      <p:grpSpPr>
+        <a:xfrm>
+          <a:off x="0" y="0"/>
+          <a:ext cx="0" cy="0"/>
+          <a:chOff x="0" y="0"/>
+          <a:chExt cx="0" cy="0"/>
+        </a:xfrm>
+      </p:grpSpPr>
+      <p:sp>
+        <p:nvSpPr>
+          <p:cNvPr id="10241" name="Slide Number Placeholder 1"/>
+          <p:cNvSpPr txBox="1">
+            <a:spLocks noGrp="1"/>
+          </p:cNvSpPr>
+          <p:nvPr/>
+        </p:nvSpPr>
+        <p:spPr bwMode="auto">
+          <a:xfrm>
+            <a:off x="6553200" y="6248400"/>
+            <a:ext cx="1905000" cy="457200"/>
+          </a:xfrm>
+          <a:prstGeom prst="rect">
+            <a:avLst/>
+          </a:prstGeom>
+          <a:noFill/>
+          <a:ln>
+            <a:noFill/>
+          </a:ln>
+          <a:extLst>
+            <a:ext uri="{909E8E84-426E-40dd-AFC4-6F175D3DCCD1}">
+              <a14:hiddenFill xmlns:a14="http://schemas.microsoft.com/office/drawing/2010/main">
+                <a:solidFill>
+                  <a:srgbClr val="FFFFFF"/>
+                </a:solidFill>
+              </a14:hiddenFill>
+            </a:ext>
+            <a:ext uri="{91240B29-F687-4f45-9708-019B960494DF}">
+              <a14:hiddenLine xmlns:a14="http://schemas.microsoft.com/office/drawing/2010/main" w="9525">
+                <a:solidFill>
+                  <a:srgbClr val="000000"/>
+                </a:solidFill>
+                <a:miter lim="800000"/>
+                <a:headEnd/>
+                <a:tailEnd/>
+              </a14:hiddenLine>
+            </a:ext>
+          </a:extLst>
+        </p:spPr>
+        <p:txBody>
+          <a:bodyPr/>
+          <a:lstStyle>
+            <a:lvl1pPr eaLnBrk="0" hangingPunct="0">
+              <a:defRPr sz="2400">
+                <a:solidFill>
+                  <a:schemeClr val="tx1"/>
+                </a:solidFill>
+                <a:latin typeface="Arial" charset="0"/>
+                <a:ea typeface="ＭＳ Ｐゴシック" charset="0"/>
+                <a:cs typeface="ＭＳ Ｐゴシック" charset="0"/>
+              </a:defRPr>
+            </a:lvl1pPr>
+            <a:lvl2pPr marL="742950" indent="-285750" eaLnBrk="0" hangingPunct="0">
+              <a:defRPr sz="2400">
+                <a:solidFill>
+                  <a:schemeClr val="tx1"/>
+                </a:solidFill>
+                <a:latin typeface="Arial" charset="0"/>
+                <a:ea typeface="ＭＳ Ｐゴシック" charset="0"/>
+              </a:defRPr>
+            </a:lvl2pPr>
+            <a:lvl3pPr marL="1143000" indent="-228600" eaLnBrk="0" hangingPunct="0">
+              <a:defRPr sz="2400">
+                <a:solidFill>
+                  <a:schemeClr val="tx1"/>
+                </a:solidFill>
+                <a:latin typeface="Arial" charset="0"/>
+                <a:ea typeface="ＭＳ Ｐゴシック" charset="0"/>
+              </a:defRPr>
+            </a:lvl3pPr>
+            <a:lvl4pPr marL="1600200" indent="-228600" eaLnBrk="0" hangingPunct="0">
+              <a:defRPr sz="2400">
+                <a:solidFill>
+                  <a:schemeClr val="tx1"/>
+                </a:solidFill>
+                <a:latin typeface="Arial" charset="0"/>
+                <a:ea typeface="ＭＳ Ｐゴシック" charset="0"/>
+              </a:defRPr>
+            </a:lvl4pPr>
+            <a:lvl5pPr marL="2057400" indent="-228600" eaLnBrk="0" hangingPunct="0">
+              <a:defRPr sz="2400">
+                <a:solidFill>
+                  <a:schemeClr val="tx1"/>
+                </a:solidFill>
+                <a:latin typeface="Arial" charset="0"/>
+                <a:ea typeface="ＭＳ Ｐゴシック" charset="0"/>
+              </a:defRPr>
+            </a:lvl5pPr>
+            <a:lvl6pPr marL="2514600" indent="-228600" eaLnBrk="0" fontAlgn="base" hangingPunct="0">
+              <a:spcBef>
+                <a:spcPct val="0"/>
+              </a:spcBef>
+              <a:spcAft>
+                <a:spcPct val="0"/>
+              </a:spcAft>
+              <a:defRPr sz="2400">
+                <a:solidFill>
+                  <a:schemeClr val="tx1"/>
+                </a:solidFill>
+                <a:latin typeface="Arial" charset="0"/>
+                <a:ea typeface="ＭＳ Ｐゴシック" charset="0"/>
+              </a:defRPr>
+            </a:lvl6pPr>
+            <a:lvl7pPr marL="2971800" indent="-228600" eaLnBrk="0" fontAlgn="base" hangingPunct="0">
+              <a:spcBef>
+                <a:spcPct val="0"/>
+              </a:spcBef>
+              <a:spcAft>
+                <a:spcPct val="0"/>
+              </a:spcAft>
+              <a:defRPr sz="2400">
+                <a:solidFill>
+                  <a:schemeClr val="tx1"/>
+                </a:solidFill>
+                <a:latin typeface="Arial" charset="0"/>
+                <a:ea typeface="ＭＳ Ｐゴシック" charset="0"/>
+              </a:defRPr>
+            </a:lvl7pPr>
+            <a:lvl8pPr marL="3429000" indent="-228600" eaLnBrk="0" fontAlgn="base" hangingPunct="0">
+              <a:spcBef>
+                <a:spcPct val="0"/>
+              </a:spcBef>
+              <a:spcAft>
+                <a:spcPct val="0"/>
+              </a:spcAft>
+              <a:defRPr sz="2400">
+                <a:solidFill>
+                  <a:schemeClr val="tx1"/>
+                </a:solidFill>
+                <a:latin typeface="Arial" charset="0"/>
+                <a:ea typeface="ＭＳ Ｐゴシック" charset="0"/>
+              </a:defRPr>
+            </a:lvl8pPr>
+            <a:lvl9pPr marL="3886200" indent="-228600" eaLnBrk="0" fontAlgn="base" hangingPunct="0">
+              <a:spcBef>
+                <a:spcPct val="0"/>
+              </a:spcBef>
+              <a:spcAft>
+                <a:spcPct val="0"/>
+              </a:spcAft>
+              <a:defRPr sz="2400">
+                <a:solidFill>
+                  <a:schemeClr val="tx1"/>
+                </a:solidFill>
+                <a:latin typeface="Arial" charset="0"/>
+                <a:ea typeface="ＭＳ Ｐゴシック" charset="0"/>
+              </a:defRPr>
+            </a:lvl9pPr>
+          </a:lstStyle>
+          <a:p>
+            <a:pPr algn="r"/>
+            <a:fld id="{06D23BA9-5070-0648-A3DA-E6039966856F}" type="slidenum">
+              <a:rPr lang="en-US" sz="1200"/>
+              <a:pPr algn="r"/>
+              <a:t>2</a:t>
+            </a:fld>
+            <a:endParaRPr lang="en-US" sz="1200"/>
+          </a:p>
+        </p:txBody>
+      </p:sp>
+      <p:sp>
+        <p:nvSpPr>
+          <p:cNvPr id="10242" name="Date Placeholder 2"/>
+          <p:cNvSpPr txBox="1">
+            <a:spLocks noGrp="1"/>
+          </p:cNvSpPr>
+          <p:nvPr/>
+        </p:nvSpPr>
+        <p:spPr bwMode="auto">
+          <a:xfrm>
+            <a:off x="762000" y="6248400"/>
+            <a:ext cx="2057400" cy="457200"/>
+          </a:xfrm>
+          <a:prstGeom prst="rect">
+            <a:avLst/>
+          </a:prstGeom>
+          <a:noFill/>
+          <a:ln>
+            <a:noFill/>
+          </a:ln>
+          <a:extLst>
+            <a:ext uri="{909E8E84-426E-40dd-AFC4-6F175D3DCCD1}">
+              <a14:hiddenFill xmlns:a14="http://schemas.microsoft.com/office/drawing/2010/main">
+                <a:solidFill>
+                  <a:srgbClr val="FFFFFF"/>
+                </a:solidFill>
+              </a14:hiddenFill>
+            </a:ext>
+            <a:ext uri="{91240B29-F687-4f45-9708-019B960494DF}">
+              <a14:hiddenLine xmlns:a14="http://schemas.microsoft.com/office/drawing/2010/main" w="9525">
+                <a:solidFill>
+                  <a:srgbClr val="000000"/>
+                </a:solidFill>
+                <a:miter lim="800000"/>
+                <a:headEnd/>
+                <a:tailEnd/>
+              </a14:hiddenLine>
+            </a:ext>
+          </a:extLst>
+        </p:spPr>
+        <p:txBody>
+          <a:bodyPr/>
+          <a:lstStyle>
+            <a:lvl1pPr eaLnBrk="0" hangingPunct="0">
+              <a:defRPr sz="2400">
+                <a:solidFill>
+                  <a:schemeClr val="tx1"/>
+                </a:solidFill>
+                <a:latin typeface="Arial" charset="0"/>
+                <a:ea typeface="ＭＳ Ｐゴシック" charset="0"/>
+                <a:cs typeface="ＭＳ Ｐゴシック" charset="0"/>
+              </a:defRPr>
+            </a:lvl1pPr>
+            <a:lvl2pPr marL="742950" indent="-285750" eaLnBrk="0" hangingPunct="0">
+              <a:defRPr sz="2400">
+                <a:solidFill>
+                  <a:schemeClr val="tx1"/>
+                </a:solidFill>
+                <a:latin typeface="Arial" charset="0"/>
+                <a:ea typeface="ＭＳ Ｐゴシック" charset="0"/>
+              </a:defRPr>
+            </a:lvl2pPr>
+            <a:lvl3pPr marL="1143000" indent="-228600" eaLnBrk="0" hangingPunct="0">
+              <a:defRPr sz="2400">
+                <a:solidFill>
+                  <a:schemeClr val="tx1"/>
+                </a:solidFill>
+                <a:latin typeface="Arial" charset="0"/>
+                <a:ea typeface="ＭＳ Ｐゴシック" charset="0"/>
+              </a:defRPr>
+            </a:lvl3pPr>
+            <a:lvl4pPr marL="1600200" indent="-228600" eaLnBrk="0" hangingPunct="0">
+              <a:defRPr sz="2400">
+                <a:solidFill>
+                  <a:schemeClr val="tx1"/>
+                </a:solidFill>
+                <a:latin typeface="Arial" charset="0"/>
+                <a:ea typeface="ＭＳ Ｐゴシック" charset="0"/>
+              </a:defRPr>
+            </a:lvl4pPr>
+            <a:lvl5pPr marL="2057400" indent="-228600" eaLnBrk="0" hangingPunct="0">
+              <a:defRPr sz="2400">
+                <a:solidFill>
+                  <a:schemeClr val="tx1"/>
+                </a:solidFill>
+                <a:latin typeface="Arial" charset="0"/>
+                <a:ea typeface="ＭＳ Ｐゴシック" charset="0"/>
+              </a:defRPr>
+            </a:lvl5pPr>
+            <a:lvl6pPr marL="2514600" indent="-228600" eaLnBrk="0" fontAlgn="base" hangingPunct="0">
+              <a:spcBef>
+                <a:spcPct val="0"/>
+              </a:spcBef>
+              <a:spcAft>
+                <a:spcPct val="0"/>
+              </a:spcAft>
+              <a:defRPr sz="2400">
+                <a:solidFill>
+                  <a:schemeClr val="tx1"/>
+                </a:solidFill>
+                <a:latin typeface="Arial" charset="0"/>
+                <a:ea typeface="ＭＳ Ｐゴシック" charset="0"/>
+              </a:defRPr>
+            </a:lvl6pPr>
+            <a:lvl7pPr marL="2971800" indent="-228600" eaLnBrk="0" fontAlgn="base" hangingPunct="0">
+              <a:spcBef>
+                <a:spcPct val="0"/>
+              </a:spcBef>
+              <a:spcAft>
+                <a:spcPct val="0"/>
+              </a:spcAft>
+              <a:defRPr sz="2400">
+                <a:solidFill>
+                  <a:schemeClr val="tx1"/>
+                </a:solidFill>
+                <a:latin typeface="Arial" charset="0"/>
+                <a:ea typeface="ＭＳ Ｐゴシック" charset="0"/>
+              </a:defRPr>
+            </a:lvl7pPr>
+            <a:lvl8pPr marL="3429000" indent="-228600" eaLnBrk="0" fontAlgn="base" hangingPunct="0">
+              <a:spcBef>
+                <a:spcPct val="0"/>
+              </a:spcBef>
+              <a:spcAft>
+                <a:spcPct val="0"/>
+              </a:spcAft>
+              <a:defRPr sz="2400">
+                <a:solidFill>
+                  <a:schemeClr val="tx1"/>
+                </a:solidFill>
+                <a:latin typeface="Arial" charset="0"/>
+                <a:ea typeface="ＭＳ Ｐゴシック" charset="0"/>
+              </a:defRPr>
+            </a:lvl8pPr>
+            <a:lvl9pPr marL="3886200" indent="-228600" eaLnBrk="0" fontAlgn="base" hangingPunct="0">
+              <a:spcBef>
+                <a:spcPct val="0"/>
+              </a:spcBef>
+              <a:spcAft>
+                <a:spcPct val="0"/>
+              </a:spcAft>
+              <a:defRPr sz="2400">
+                <a:solidFill>
+                  <a:schemeClr val="tx1"/>
+                </a:solidFill>
+                <a:latin typeface="Arial" charset="0"/>
+                <a:ea typeface="ＭＳ Ｐゴシック" charset="0"/>
+              </a:defRPr>
+            </a:lvl9pPr>
+          </a:lstStyle>
+          <a:p>
+            <a:r>
+              <a:rPr lang="en-US" sz="1200"/>
+              <a:t>Module #: Title of Module</a:t>
+            </a:r>
+          </a:p>
+        </p:txBody>
+      </p:sp>
+      <p:sp>
+        <p:nvSpPr>
+          <p:cNvPr id="10243" name="Rectangle 5"/>
+          <p:cNvSpPr>
+            <a:spLocks noChangeArrowheads="1"/>
+          </p:cNvSpPr>
+          <p:nvPr/>
+        </p:nvSpPr>
+        <p:spPr bwMode="auto">
+          <a:xfrm>
+            <a:off x="0" y="0"/>
+            <a:ext cx="9144000" cy="6858000"/>
+          </a:xfrm>
+          <a:prstGeom prst="rect">
+            <a:avLst/>
+          </a:prstGeom>
+          <a:solidFill>
+            <a:schemeClr val="tx1"/>
+          </a:solidFill>
+          <a:ln w="9525">
+            <a:solidFill>
+              <a:schemeClr val="tx1"/>
+            </a:solidFill>
+            <a:round/>
+            <a:headEnd/>
+            <a:tailEnd/>
+          </a:ln>
+        </p:spPr>
+        <p:txBody>
+          <a:bodyPr/>
+          <a:lstStyle/>
+          <a:p>
+            <a:pPr eaLnBrk="0" hangingPunct="0"/>
+            <a:endParaRPr lang="en-US"/>
+          </a:p>
+        </p:txBody>
+      </p:sp>
+      <p:pic>
+        <p:nvPicPr>
+          <p:cNvPr id="10244" name="Content Placeholder 9" descr="Picture 1.png"/>
+          <p:cNvPicPr>
+            <a:picLocks noGrp="1" noChangeAspect="1"/>
+          </p:cNvPicPr>
+          <p:nvPr>
+            <p:ph idx="4294967295"/>
+          </p:nvPr>
+        </p:nvPicPr>
+        <p:blipFill>
+          <a:blip r:embed="rId2">
+            <a:extLst>
+              <a:ext uri="{28A0092B-C50C-407E-A947-70E740481C1C}">
+                <a14:useLocalDpi xmlns:a14="http://schemas.microsoft.com/office/drawing/2010/main" val="0"/>
+              </a:ext>
+            </a:extLst>
+          </a:blip>
+          <a:srcRect/>
+          <a:stretch>
+            <a:fillRect/>
+          </a:stretch>
+        </p:blipFill>
+        <p:spPr>
+          <a:xfrm>
+            <a:off x="914400" y="73025"/>
+            <a:ext cx="6858000" cy="6734175"/>
+          </a:xfrm>
+        </p:spPr>
+      </p:pic>
+      <p:sp>
+        <p:nvSpPr>
+          <p:cNvPr id="10245" name="Slide Number Placeholder 3"/>
+          <p:cNvSpPr txBox="1">
+            <a:spLocks noGrp="1"/>
+          </p:cNvSpPr>
+          <p:nvPr/>
+        </p:nvSpPr>
+        <p:spPr bwMode="auto">
+          <a:xfrm>
+            <a:off x="6553200" y="6248400"/>
+            <a:ext cx="1905000" cy="457200"/>
+          </a:xfrm>
+          <a:prstGeom prst="rect">
+            <a:avLst/>
+          </a:prstGeom>
+          <a:noFill/>
+          <a:ln>
+            <a:noFill/>
+          </a:ln>
+          <a:extLst>
+            <a:ext uri="{909E8E84-426E-40dd-AFC4-6F175D3DCCD1}">
+              <a14:hiddenFill xmlns:a14="http://schemas.microsoft.com/office/drawing/2010/main">
+                <a:solidFill>
+                  <a:srgbClr val="FFFFFF"/>
+                </a:solidFill>
+              </a14:hiddenFill>
+            </a:ext>
+            <a:ext uri="{91240B29-F687-4f45-9708-019B960494DF}">
+              <a14:hiddenLine xmlns:a14="http://schemas.microsoft.com/office/drawing/2010/main" w="9525">
+                <a:solidFill>
+                  <a:srgbClr val="000000"/>
+                </a:solidFill>
+                <a:miter lim="800000"/>
+                <a:headEnd/>
+                <a:tailEnd/>
+              </a14:hiddenLine>
+            </a:ext>
+          </a:extLst>
+        </p:spPr>
+        <p:txBody>
+          <a:bodyPr/>
+          <a:lstStyle>
+            <a:lvl1pPr eaLnBrk="0" hangingPunct="0">
+              <a:defRPr sz="2400">
+                <a:solidFill>
+                  <a:schemeClr val="tx1"/>
+                </a:solidFill>
+                <a:latin typeface="Arial" charset="0"/>
+                <a:ea typeface="ＭＳ Ｐゴシック" charset="0"/>
+                <a:cs typeface="ＭＳ Ｐゴシック" charset="0"/>
+              </a:defRPr>
+            </a:lvl1pPr>
+            <a:lvl2pPr marL="742950" indent="-285750" eaLnBrk="0" hangingPunct="0">
+              <a:defRPr sz="2400">
+                <a:solidFill>
+                  <a:schemeClr val="tx1"/>
+                </a:solidFill>
+                <a:latin typeface="Arial" charset="0"/>
+                <a:ea typeface="ＭＳ Ｐゴシック" charset="0"/>
+              </a:defRPr>
+            </a:lvl2pPr>
+            <a:lvl3pPr marL="1143000" indent="-228600" eaLnBrk="0" hangingPunct="0">
+              <a:defRPr sz="2400">
+                <a:solidFill>
+                  <a:schemeClr val="tx1"/>
+                </a:solidFill>
+                <a:latin typeface="Arial" charset="0"/>
+                <a:ea typeface="ＭＳ Ｐゴシック" charset="0"/>
+              </a:defRPr>
+            </a:lvl3pPr>
+            <a:lvl4pPr marL="1600200" indent="-228600" eaLnBrk="0" hangingPunct="0">
+              <a:defRPr sz="2400">
+                <a:solidFill>
+                  <a:schemeClr val="tx1"/>
+                </a:solidFill>
+                <a:latin typeface="Arial" charset="0"/>
+                <a:ea typeface="ＭＳ Ｐゴシック" charset="0"/>
+              </a:defRPr>
+            </a:lvl4pPr>
+            <a:lvl5pPr marL="2057400" indent="-228600" eaLnBrk="0" hangingPunct="0">
+              <a:defRPr sz="2400">
+                <a:solidFill>
+                  <a:schemeClr val="tx1"/>
+                </a:solidFill>
+                <a:latin typeface="Arial" charset="0"/>
+                <a:ea typeface="ＭＳ Ｐゴシック" charset="0"/>
+              </a:defRPr>
+            </a:lvl5pPr>
+            <a:lvl6pPr marL="2514600" indent="-228600" eaLnBrk="0" fontAlgn="base" hangingPunct="0">
+              <a:spcBef>
+                <a:spcPct val="0"/>
+              </a:spcBef>
+              <a:spcAft>
+                <a:spcPct val="0"/>
+              </a:spcAft>
+              <a:defRPr sz="2400">
+                <a:solidFill>
+                  <a:schemeClr val="tx1"/>
+                </a:solidFill>
+                <a:latin typeface="Arial" charset="0"/>
+                <a:ea typeface="ＭＳ Ｐゴシック" charset="0"/>
+              </a:defRPr>
+            </a:lvl6pPr>
+            <a:lvl7pPr marL="2971800" indent="-228600" eaLnBrk="0" fontAlgn="base" hangingPunct="0">
+              <a:spcBef>
+                <a:spcPct val="0"/>
+              </a:spcBef>
+              <a:spcAft>
+                <a:spcPct val="0"/>
+              </a:spcAft>
+              <a:defRPr sz="2400">
+                <a:solidFill>
+                  <a:schemeClr val="tx1"/>
+                </a:solidFill>
+                <a:latin typeface="Arial" charset="0"/>
+                <a:ea typeface="ＭＳ Ｐゴシック" charset="0"/>
+              </a:defRPr>
+            </a:lvl7pPr>
+            <a:lvl8pPr marL="3429000" indent="-228600" eaLnBrk="0" fontAlgn="base" hangingPunct="0">
+              <a:spcBef>
+                <a:spcPct val="0"/>
+              </a:spcBef>
+              <a:spcAft>
+                <a:spcPct val="0"/>
+              </a:spcAft>
+              <a:defRPr sz="2400">
+                <a:solidFill>
+                  <a:schemeClr val="tx1"/>
+                </a:solidFill>
+                <a:latin typeface="Arial" charset="0"/>
+                <a:ea typeface="ＭＳ Ｐゴシック" charset="0"/>
+              </a:defRPr>
+            </a:lvl8pPr>
+            <a:lvl9pPr marL="3886200" indent="-228600" eaLnBrk="0" fontAlgn="base" hangingPunct="0">
+              <a:spcBef>
+                <a:spcPct val="0"/>
+              </a:spcBef>
+              <a:spcAft>
+                <a:spcPct val="0"/>
+              </a:spcAft>
+              <a:defRPr sz="2400">
+                <a:solidFill>
+                  <a:schemeClr val="tx1"/>
+                </a:solidFill>
+                <a:latin typeface="Arial" charset="0"/>
+                <a:ea typeface="ＭＳ Ｐゴシック" charset="0"/>
+              </a:defRPr>
+            </a:lvl9pPr>
+          </a:lstStyle>
+          <a:p>
+            <a:pPr algn="r"/>
+            <a:endParaRPr lang="en-US" sz="1200"/>
+          </a:p>
+        </p:txBody>
+      </p:sp>
+    </p:spTree>
+    <p:extLst>
+      <p:ext uri="{BB962C8B-B14F-4D97-AF65-F5344CB8AC3E}">
+        <p14:creationId xmlns:p14="http://schemas.microsoft.com/office/powerpoint/2010/main" val="670593904"/>
+      </p:ext>
+    </p:extLst>
+  </p:cSld>
+  <p:clrMapOvr>
+    <a:masterClrMapping/>
+  </p:clrMapOvr>
+  <p:transition xmlns:p14="http://schemas.microsoft.com/office/powerpoint/2010/main"/>
+  <p:timing>
+    <p:tnLst>
+      <p:par>
+        <p:cTn xmlns:p14="http://schemas.microsoft.com/office/powerpoint/2010/main" id="1" dur="indefinite" restart="never" nodeType="tmRoot"/>
+      </p:par>
+    </p:tnLst>
+  </p:timing>
+</p:sld>
+</file>
+
+<file path=ppt/slides/slide3.xml><?xml version="1.0" encoding="utf-8"?>
 <p:sld xmlns:a="http://schemas.openxmlformats.org/drawingml/2006/main" xmlns:r="http://schemas.openxmlformats.org/officeDocument/2006/relationships" xmlns:p="http://schemas.openxmlformats.org/presentationml/2006/main">
   <p:cSld>
     <p:spTree>
@@ -6600,7 +7474,7 @@
       </p:sp>
       <p:pic>
         <p:nvPicPr>
-          <p:cNvPr id="10242" name="Picture 4" descr="TGI_logo_V_2color_bevel.tiff"/>
+          <p:cNvPr id="10243" name="Picture 1" descr="RNA-Seq-alignment.png"/>
           <p:cNvPicPr>
             <a:picLocks noChangeAspect="1"/>
           </p:cNvPicPr>
@@ -6608,60 +7482,6 @@
         </p:nvPicPr>
         <p:blipFill>
           <a:blip r:embed="rId2">
-            <a:extLst>
-              <a:ext uri="{28A0092B-C50C-407E-A947-70E740481C1C}">
-                <a14:useLocalDpi xmlns:a14="http://schemas.microsoft.com/office/drawing/2010/main" val="0"/>
-              </a:ext>
-            </a:extLst>
-          </a:blip>
-          <a:srcRect l="31865" t="30911" r="32492" b="27831"/>
-          <a:stretch>
-            <a:fillRect/>
-          </a:stretch>
-        </p:blipFill>
-        <p:spPr bwMode="auto">
-          <a:xfrm>
-            <a:off x="6588125" y="3744913"/>
-            <a:ext cx="2181225" cy="1893887"/>
-          </a:xfrm>
-          <a:prstGeom prst="rect">
-            <a:avLst/>
-          </a:prstGeom>
-          <a:noFill/>
-          <a:ln>
-            <a:noFill/>
-          </a:ln>
-          <a:extLst>
-            <a:ext uri="{909E8E84-426E-40dd-AFC4-6F175D3DCCD1}">
-              <a14:hiddenFill xmlns:a14="http://schemas.microsoft.com/office/drawing/2010/main">
-                <a:solidFill>
-                  <a:srgbClr val="FFFFFF"/>
-                </a:solidFill>
-              </a14:hiddenFill>
-            </a:ext>
-            <a:ext uri="{91240B29-F687-4f45-9708-019B960494DF}">
-              <a14:hiddenLine xmlns:a14="http://schemas.microsoft.com/office/drawing/2010/main" w="9525">
-                <a:solidFill>
-                  <a:srgbClr val="000000"/>
-                </a:solidFill>
-                <a:miter lim="800000"/>
-                <a:headEnd/>
-                <a:tailEnd/>
-              </a14:hiddenLine>
-            </a:ext>
-          </a:extLst>
-        </p:spPr>
-      </p:pic>
-      <p:pic>
-        <p:nvPicPr>
-          <p:cNvPr id="10243" name="Picture 1" descr="RNA-Seq-alignment.png"/>
-          <p:cNvPicPr>
-            <a:picLocks noChangeAspect="1"/>
-          </p:cNvPicPr>
-          <p:nvPr/>
-        </p:nvPicPr>
-        <p:blipFill>
-          <a:blip r:embed="rId3">
             <a:extLst>
               <a:ext uri="{28A0092B-C50C-407E-A947-70E740481C1C}">
                 <a14:useLocalDpi xmlns:a14="http://schemas.microsoft.com/office/drawing/2010/main" val="0"/>
@@ -6935,27 +7755,7 @@
                 <a:latin typeface="Calibri" charset="0"/>
                 <a:cs typeface="Segoe UI" charset="0"/>
               </a:rPr>
-              <a:t>(</a:t>
-            </a:r>
-            <a:r>
-              <a:rPr lang="en-US" sz="2000" dirty="0" smtClean="0">
-                <a:solidFill>
-                  <a:schemeClr val="bg1"/>
-                </a:solidFill>
-                <a:latin typeface="Calibri" charset="0"/>
-                <a:cs typeface="Segoe UI" charset="0"/>
-              </a:rPr>
-              <a:t>tutorial</a:t>
-            </a:r>
-            <a:r>
-              <a:rPr lang="en-US" sz="2000" dirty="0" smtClean="0">
-                <a:solidFill>
-                  <a:schemeClr val="bg1"/>
-                </a:solidFill>
-                <a:latin typeface="Calibri" charset="0"/>
-                <a:cs typeface="Segoe UI" charset="0"/>
-              </a:rPr>
-              <a:t>)</a:t>
+              <a:t>(tutorial)</a:t>
             </a:r>
             <a:endParaRPr lang="en-US" sz="1800" b="1" dirty="0">
               <a:solidFill>
@@ -7009,8 +7809,37 @@
                 <a:ea typeface="+mj-ea"/>
                 <a:cs typeface="Calibri"/>
               </a:rPr>
-              <a:t>Malachi Griffith, Obi Griffith, Jason Walker</a:t>
-            </a:r>
+              <a:t>Malachi Griffith, Obi Griffith, </a:t>
+            </a:r>
+            <a:r>
+              <a:rPr lang="en-US" sz="1600" dirty="0" err="1">
+                <a:latin typeface="Calibri"/>
+                <a:ea typeface="+mj-ea"/>
+                <a:cs typeface="Calibri"/>
+              </a:rPr>
+              <a:t>Fouad</a:t>
+            </a:r>
+            <a:r>
+              <a:rPr lang="en-US" sz="1600" dirty="0">
+                <a:latin typeface="Calibri"/>
+                <a:ea typeface="+mj-ea"/>
+                <a:cs typeface="Calibri"/>
+              </a:rPr>
+              <a:t> </a:t>
+            </a:r>
+            <a:r>
+              <a:rPr lang="en-US" sz="1600" dirty="0" err="1">
+                <a:latin typeface="Calibri"/>
+                <a:ea typeface="+mj-ea"/>
+                <a:cs typeface="Calibri"/>
+              </a:rPr>
+              <a:t>Yousif</a:t>
+            </a:r>
+            <a:endParaRPr lang="en-US" sz="1600" dirty="0" smtClean="0">
+              <a:latin typeface="Calibri"/>
+              <a:ea typeface="+mj-ea"/>
+              <a:cs typeface="Calibri"/>
+            </a:endParaRPr>
           </a:p>
           <a:p>
             <a:pPr fontAlgn="auto">
@@ -7033,7 +7862,7 @@
                 <a:latin typeface="Calibri"/>
                 <a:cs typeface="Calibri"/>
               </a:rPr>
-              <a:t>Advanced Sequencing Technologies &amp; Applications</a:t>
+              <a:t>Informatics for RNA-seq Analysis</a:t>
             </a:r>
           </a:p>
           <a:p>
@@ -7041,6 +7870,8 @@
               <a:spcAft>
                 <a:spcPts val="0"/>
               </a:spcAft>
+              <a:buFont typeface="Arial" pitchFamily="34" charset="0"/>
+              <a:buNone/>
               <a:defRPr/>
             </a:pPr>
             <a:r>
@@ -7053,26 +7884,43 @@
                   </a:solidFill>
                 </a:ln>
                 <a:latin typeface="Calibri"/>
-                <a:ea typeface="+mn-ea"/>
                 <a:cs typeface="Calibri"/>
               </a:rPr>
-              <a:t>November 10 - 22, 2015</a:t>
-            </a:r>
-            <a:endParaRPr lang="en-US" sz="1400" dirty="0" smtClean="0">
-              <a:ln w="1270">
-                <a:solidFill>
-                  <a:schemeClr val="tx1">
-                    <a:alpha val="38000"/>
-                  </a:schemeClr>
-                </a:solidFill>
-              </a:ln>
-              <a:latin typeface="Calibri"/>
-              <a:ea typeface="+mn-ea"/>
-              <a:cs typeface="Calibri"/>
-            </a:endParaRPr>
+              <a:t>June 16 - 17, 2016</a:t>
+            </a:r>
           </a:p>
         </p:txBody>
       </p:sp>
+      <p:pic>
+        <p:nvPicPr>
+          <p:cNvPr id="7" name="Picture 6" descr="bioinformatics-ca.eps"/>
+          <p:cNvPicPr>
+            <a:picLocks noChangeAspect="1"/>
+          </p:cNvPicPr>
+          <p:nvPr/>
+        </p:nvPicPr>
+        <p:blipFill>
+          <a:blip r:embed="rId3">
+            <a:extLst>
+              <a:ext uri="{28A0092B-C50C-407E-A947-70E740481C1C}">
+                <a14:useLocalDpi xmlns:a14="http://schemas.microsoft.com/office/drawing/2010/main" val="0"/>
+              </a:ext>
+            </a:extLst>
+          </a:blip>
+          <a:stretch>
+            <a:fillRect/>
+          </a:stretch>
+        </p:blipFill>
+        <p:spPr>
+          <a:xfrm>
+            <a:off x="6516216" y="4295721"/>
+            <a:ext cx="2339752" cy="1005487"/>
+          </a:xfrm>
+          <a:prstGeom prst="rect">
+            <a:avLst/>
+          </a:prstGeom>
+        </p:spPr>
+      </p:pic>
     </p:spTree>
     <p:extLst>
       <p:ext uri="{BB962C8B-B14F-4D97-AF65-F5344CB8AC3E}">
@@ -7093,7 +7941,7 @@
 </p:sld>
 </file>
 
-<file path=ppt/slides/slide3.xml><?xml version="1.0" encoding="utf-8"?>
+<file path=ppt/slides/slide4.xml><?xml version="1.0" encoding="utf-8"?>
 <p:sld xmlns:a="http://schemas.openxmlformats.org/drawingml/2006/main" xmlns:r="http://schemas.openxmlformats.org/officeDocument/2006/relationships" xmlns:p="http://schemas.openxmlformats.org/presentationml/2006/main">
   <p:cSld>
     <p:spTree>
@@ -7269,7 +8117,7 @@
 </p:sld>
 </file>
 
-<file path=ppt/slides/slide4.xml><?xml version="1.0" encoding="utf-8"?>
+<file path=ppt/slides/slide5.xml><?xml version="1.0" encoding="utf-8"?>
 <p:sld xmlns:a="http://schemas.openxmlformats.org/drawingml/2006/main" xmlns:r="http://schemas.openxmlformats.org/officeDocument/2006/relationships" xmlns:p="http://schemas.openxmlformats.org/presentationml/2006/main">
   <p:cSld>
     <p:spTree>
@@ -7525,7 +8373,7 @@
 </p:sld>
 </file>
 
-<file path=ppt/slides/slide5.xml><?xml version="1.0" encoding="utf-8"?>
+<file path=ppt/slides/slide6.xml><?xml version="1.0" encoding="utf-8"?>
 <p:sld xmlns:a="http://schemas.openxmlformats.org/drawingml/2006/main" xmlns:r="http://schemas.openxmlformats.org/officeDocument/2006/relationships" xmlns:p="http://schemas.openxmlformats.org/presentationml/2006/main">
   <p:cSld>
     <p:spTree>
@@ -7985,7 +8833,7 @@
 </p:sld>
 </file>
 
-<file path=ppt/slides/slide6.xml><?xml version="1.0" encoding="utf-8"?>
+<file path=ppt/slides/slide7.xml><?xml version="1.0" encoding="utf-8"?>
 <p:sld xmlns:a="http://schemas.openxmlformats.org/drawingml/2006/main" xmlns:r="http://schemas.openxmlformats.org/officeDocument/2006/relationships" xmlns:p="http://schemas.openxmlformats.org/presentationml/2006/main">
   <p:cSld>
     <p:spTree>
@@ -8037,15 +8885,7 @@
                 <a:ea typeface="ＭＳ Ｐゴシック" charset="0"/>
                 <a:cs typeface="ＭＳ Ｐゴシック" charset="0"/>
               </a:rPr>
-              <a:t>-</a:t>
-            </a:r>
-            <a:r>
-              <a:rPr lang="en-US" altLang="ko-KR" dirty="0" smtClean="0">
-                <a:latin typeface="Calibri" charset="0"/>
-                <a:ea typeface="ＭＳ Ｐゴシック" charset="0"/>
-                <a:cs typeface="ＭＳ Ｐゴシック" charset="0"/>
-              </a:rPr>
-              <a:t>i. Installation</a:t>
+              <a:t>-i. Installation</a:t>
             </a:r>
             <a:endParaRPr lang="en-US" altLang="ko-KR" dirty="0">
               <a:latin typeface="Calibri" charset="0"/>
@@ -8758,7 +9598,7 @@
 </p:sld>
 </file>
 
-<file path=ppt/slides/slide7.xml><?xml version="1.0" encoding="utf-8"?>
+<file path=ppt/slides/slide8.xml><?xml version="1.0" encoding="utf-8"?>
 <p:sld xmlns:a="http://schemas.openxmlformats.org/drawingml/2006/main" xmlns:r="http://schemas.openxmlformats.org/officeDocument/2006/relationships" xmlns:p="http://schemas.openxmlformats.org/presentationml/2006/main">
   <p:cSld>
     <p:spTree>
@@ -8810,15 +9650,7 @@
                 <a:ea typeface="ＭＳ Ｐゴシック" charset="0"/>
                 <a:cs typeface="ＭＳ Ｐゴシック" charset="0"/>
               </a:rPr>
-              <a:t>-</a:t>
-            </a:r>
-            <a:r>
-              <a:rPr lang="en-US" altLang="ko-KR" dirty="0" smtClean="0">
-                <a:latin typeface="Calibri" charset="0"/>
-                <a:ea typeface="ＭＳ Ｐゴシック" charset="0"/>
-                <a:cs typeface="ＭＳ Ｐゴシック" charset="0"/>
-              </a:rPr>
-              <a:t>ii. Obtain </a:t>
+              <a:t>-ii. Obtain </a:t>
             </a:r>
             <a:r>
               <a:rPr lang="en-US" altLang="ko-KR" dirty="0">
@@ -8999,7 +9831,7 @@
 </p:sld>
 </file>
 
-<file path=ppt/slides/slide8.xml><?xml version="1.0" encoding="utf-8"?>
+<file path=ppt/slides/slide9.xml><?xml version="1.0" encoding="utf-8"?>
 <p:sld xmlns:a="http://schemas.openxmlformats.org/drawingml/2006/main" xmlns:r="http://schemas.openxmlformats.org/officeDocument/2006/relationships" xmlns:p="http://schemas.openxmlformats.org/presentationml/2006/main">
   <p:cSld>
     <p:spTree>
@@ -9051,15 +9883,7 @@
                 <a:ea typeface="ＭＳ Ｐゴシック" charset="0"/>
                 <a:cs typeface="ＭＳ Ｐゴシック" charset="0"/>
               </a:rPr>
-              <a:t>-</a:t>
-            </a:r>
-            <a:r>
-              <a:rPr lang="en-US" altLang="ko-KR" sz="3600" dirty="0" smtClean="0">
-                <a:latin typeface="Calibri" charset="0"/>
-                <a:ea typeface="ＭＳ Ｐゴシック" charset="0"/>
-                <a:cs typeface="ＭＳ Ｐゴシック" charset="0"/>
-              </a:rPr>
-              <a:t>iii. Obtain </a:t>
+              <a:t>-iii. Obtain </a:t>
             </a:r>
             <a:r>
               <a:rPr lang="en-US" altLang="ko-KR" sz="3600" dirty="0">
@@ -9301,166 +10125,6 @@
       </p:par>
     </p:tnLst>
   </p:timing>
-</p:sld>
-</file>
-
-<file path=ppt/slides/slide9.xml><?xml version="1.0" encoding="utf-8"?>
-<p:sld xmlns:a="http://schemas.openxmlformats.org/drawingml/2006/main" xmlns:r="http://schemas.openxmlformats.org/officeDocument/2006/relationships" xmlns:p="http://schemas.openxmlformats.org/presentationml/2006/main">
-  <p:cSld>
-    <p:spTree>
-      <p:nvGrpSpPr>
-        <p:cNvPr id="1" name=""/>
-        <p:cNvGrpSpPr/>
-        <p:nvPr/>
-      </p:nvGrpSpPr>
-      <p:grpSpPr>
-        <a:xfrm>
-          <a:off x="0" y="0"/>
-          <a:ext cx="0" cy="0"/>
-          <a:chOff x="0" y="0"/>
-          <a:chExt cx="0" cy="0"/>
-        </a:xfrm>
-      </p:grpSpPr>
-      <p:sp>
-        <p:nvSpPr>
-          <p:cNvPr id="23553" name="Title 1"/>
-          <p:cNvSpPr>
-            <a:spLocks noGrp="1"/>
-          </p:cNvSpPr>
-          <p:nvPr>
-            <p:ph type="title"/>
-          </p:nvPr>
-        </p:nvSpPr>
-        <p:spPr>
-          <a:xfrm>
-            <a:off x="152400" y="44624"/>
-            <a:ext cx="8839200" cy="1143000"/>
-          </a:xfrm>
-        </p:spPr>
-        <p:txBody>
-          <a:bodyPr/>
-          <a:lstStyle/>
-          <a:p>
-            <a:r>
-              <a:rPr lang="en-US" dirty="0">
-                <a:latin typeface="Calibri" charset="0"/>
-                <a:ea typeface="ＭＳ Ｐゴシック" charset="0"/>
-              </a:rPr>
-              <a:t>1</a:t>
-            </a:r>
-            <a:r>
-              <a:rPr lang="en-US" dirty="0" smtClean="0">
-                <a:latin typeface="Calibri" charset="0"/>
-                <a:ea typeface="ＭＳ Ｐゴシック" charset="0"/>
-              </a:rPr>
-              <a:t>-</a:t>
-            </a:r>
-            <a:r>
-              <a:rPr lang="en-US" dirty="0" smtClean="0">
-                <a:latin typeface="Calibri" charset="0"/>
-                <a:ea typeface="ＭＳ Ｐゴシック" charset="0"/>
-              </a:rPr>
-              <a:t>iv. Create </a:t>
-            </a:r>
-            <a:r>
-              <a:rPr lang="en-US" dirty="0">
-                <a:latin typeface="Calibri" charset="0"/>
-                <a:ea typeface="ＭＳ Ｐゴシック" charset="0"/>
-              </a:rPr>
-              <a:t>Indexed reference genome</a:t>
-            </a:r>
-          </a:p>
-        </p:txBody>
-      </p:sp>
-      <p:sp>
-        <p:nvSpPr>
-          <p:cNvPr id="23554" name="Content Placeholder 2"/>
-          <p:cNvSpPr>
-            <a:spLocks noGrp="1"/>
-          </p:cNvSpPr>
-          <p:nvPr>
-            <p:ph idx="1"/>
-          </p:nvPr>
-        </p:nvSpPr>
-        <p:spPr/>
-        <p:txBody>
-          <a:bodyPr/>
-          <a:lstStyle/>
-          <a:p>
-            <a:r>
-              <a:rPr lang="en-US">
-                <a:latin typeface="Calibri" charset="0"/>
-                <a:ea typeface="ＭＳ Ｐゴシック" charset="0"/>
-              </a:rPr>
-              <a:t>Before sequences can be mapped to the genome, it must be </a:t>
-            </a:r>
-            <a:r>
-              <a:rPr lang="ja-JP" altLang="en-US">
-                <a:latin typeface="Calibri" charset="0"/>
-                <a:ea typeface="ＭＳ Ｐゴシック" charset="0"/>
-              </a:rPr>
-              <a:t>‘</a:t>
-            </a:r>
-            <a:r>
-              <a:rPr lang="en-US" altLang="ja-JP">
-                <a:latin typeface="Calibri" charset="0"/>
-                <a:ea typeface="ＭＳ Ｐゴシック" charset="0"/>
-              </a:rPr>
-              <a:t>indexed</a:t>
-            </a:r>
-            <a:r>
-              <a:rPr lang="ja-JP" altLang="en-US">
-                <a:latin typeface="Calibri" charset="0"/>
-                <a:ea typeface="ＭＳ Ｐゴシック" charset="0"/>
-              </a:rPr>
-              <a:t>’</a:t>
-            </a:r>
-            <a:r>
-              <a:rPr lang="en-US" altLang="ja-JP">
-                <a:latin typeface="Calibri" charset="0"/>
-                <a:ea typeface="ＭＳ Ｐゴシック" charset="0"/>
-              </a:rPr>
-              <a:t> in a way that is compatible with the aligner being used</a:t>
-            </a:r>
-          </a:p>
-          <a:p>
-            <a:pPr lvl="1"/>
-            <a:r>
-              <a:rPr lang="en-US">
-                <a:latin typeface="Calibri" charset="0"/>
-                <a:ea typeface="ＭＳ Ｐゴシック" charset="0"/>
-              </a:rPr>
-              <a:t>Bowtie is used to index the genome for Tophat alignments</a:t>
-            </a:r>
-          </a:p>
-          <a:p>
-            <a:pPr lvl="1"/>
-            <a:r>
-              <a:rPr lang="en-US">
-                <a:latin typeface="Calibri" charset="0"/>
-                <a:ea typeface="ＭＳ Ｐゴシック" charset="0"/>
-              </a:rPr>
-              <a:t>We will also optionally try the STAR aligner which requires its own indexed version of the genome</a:t>
-            </a:r>
-          </a:p>
-          <a:p>
-            <a:endParaRPr lang="en-US">
-              <a:latin typeface="Calibri" charset="0"/>
-              <a:ea typeface="ＭＳ Ｐゴシック" charset="0"/>
-            </a:endParaRPr>
-          </a:p>
-        </p:txBody>
-      </p:sp>
-    </p:spTree>
-    <p:extLst>
-      <p:ext uri="{BB962C8B-B14F-4D97-AF65-F5344CB8AC3E}">
-        <p14:creationId xmlns:p14="http://schemas.microsoft.com/office/powerpoint/2010/main" val="4258088638"/>
-      </p:ext>
-    </p:extLst>
-  </p:cSld>
-  <p:clrMapOvr>
-    <a:masterClrMapping/>
-  </p:clrMapOvr>
 </p:sld>
 </file>
 
